--- a/PresentationImages/503Presentation.pptx
+++ b/PresentationImages/503Presentation.pptx
@@ -9,24 +9,25 @@
     <p:sldId id="257" r:id="rId3"/>
     <p:sldId id="258" r:id="rId4"/>
     <p:sldId id="272" r:id="rId5"/>
-    <p:sldId id="259" r:id="rId6"/>
-    <p:sldId id="273" r:id="rId7"/>
-    <p:sldId id="274" r:id="rId8"/>
-    <p:sldId id="275" r:id="rId9"/>
-    <p:sldId id="276" r:id="rId10"/>
-    <p:sldId id="261" r:id="rId11"/>
-    <p:sldId id="260" r:id="rId12"/>
-    <p:sldId id="277" r:id="rId13"/>
-    <p:sldId id="262" r:id="rId14"/>
-    <p:sldId id="278" r:id="rId15"/>
-    <p:sldId id="263" r:id="rId16"/>
-    <p:sldId id="265" r:id="rId17"/>
-    <p:sldId id="264" r:id="rId18"/>
-    <p:sldId id="267" r:id="rId19"/>
-    <p:sldId id="268" r:id="rId20"/>
-    <p:sldId id="269" r:id="rId21"/>
-    <p:sldId id="270" r:id="rId22"/>
-    <p:sldId id="279" r:id="rId23"/>
+    <p:sldId id="280" r:id="rId6"/>
+    <p:sldId id="259" r:id="rId7"/>
+    <p:sldId id="273" r:id="rId8"/>
+    <p:sldId id="274" r:id="rId9"/>
+    <p:sldId id="275" r:id="rId10"/>
+    <p:sldId id="276" r:id="rId11"/>
+    <p:sldId id="261" r:id="rId12"/>
+    <p:sldId id="260" r:id="rId13"/>
+    <p:sldId id="277" r:id="rId14"/>
+    <p:sldId id="262" r:id="rId15"/>
+    <p:sldId id="278" r:id="rId16"/>
+    <p:sldId id="263" r:id="rId17"/>
+    <p:sldId id="265" r:id="rId18"/>
+    <p:sldId id="264" r:id="rId19"/>
+    <p:sldId id="267" r:id="rId20"/>
+    <p:sldId id="268" r:id="rId21"/>
+    <p:sldId id="269" r:id="rId22"/>
+    <p:sldId id="270" r:id="rId23"/>
+    <p:sldId id="279" r:id="rId24"/>
   </p:sldIdLst>
   <p:sldSz cx="12192000" cy="6858000"/>
   <p:notesSz cx="6858000" cy="9144000"/>
@@ -125,6 +126,11 @@
       </a:defRPr>
     </a:lvl9pPr>
   </p:defaultTextStyle>
+  <p:extLst>
+    <p:ext uri="{EFAFB233-063F-42B5-8137-9DF3F51BA10A}">
+      <p15:sldGuideLst xmlns:p15="http://schemas.microsoft.com/office/powerpoint/2012/main"/>
+    </p:ext>
+  </p:extLst>
 </p:presentation>
 </file>
 
@@ -1256,7 +1262,7 @@
           <a:p>
             <a:fld id="{CAC7EC3A-DE64-4893-BEB6-DC1EFABCC5B9}" type="datetimeFigureOut">
               <a:rPr lang="en-CA" smtClean="0"/>
-              <a:t>2017-12-08</a:t>
+              <a:t>2017-12-13</a:t>
             </a:fld>
             <a:endParaRPr lang="en-CA"/>
           </a:p>
@@ -1456,7 +1462,7 @@
           <a:p>
             <a:fld id="{CAC7EC3A-DE64-4893-BEB6-DC1EFABCC5B9}" type="datetimeFigureOut">
               <a:rPr lang="en-CA" smtClean="0"/>
-              <a:t>2017-12-08</a:t>
+              <a:t>2017-12-13</a:t>
             </a:fld>
             <a:endParaRPr lang="en-CA"/>
           </a:p>
@@ -1666,7 +1672,7 @@
           <a:p>
             <a:fld id="{CAC7EC3A-DE64-4893-BEB6-DC1EFABCC5B9}" type="datetimeFigureOut">
               <a:rPr lang="en-CA" smtClean="0"/>
-              <a:t>2017-12-08</a:t>
+              <a:t>2017-12-13</a:t>
             </a:fld>
             <a:endParaRPr lang="en-CA"/>
           </a:p>
@@ -1866,7 +1872,7 @@
           <a:p>
             <a:fld id="{CAC7EC3A-DE64-4893-BEB6-DC1EFABCC5B9}" type="datetimeFigureOut">
               <a:rPr lang="en-CA" smtClean="0"/>
-              <a:t>2017-12-08</a:t>
+              <a:t>2017-12-13</a:t>
             </a:fld>
             <a:endParaRPr lang="en-CA"/>
           </a:p>
@@ -2142,7 +2148,7 @@
           <a:p>
             <a:fld id="{CAC7EC3A-DE64-4893-BEB6-DC1EFABCC5B9}" type="datetimeFigureOut">
               <a:rPr lang="en-CA" smtClean="0"/>
-              <a:t>2017-12-08</a:t>
+              <a:t>2017-12-13</a:t>
             </a:fld>
             <a:endParaRPr lang="en-CA"/>
           </a:p>
@@ -2410,7 +2416,7 @@
           <a:p>
             <a:fld id="{CAC7EC3A-DE64-4893-BEB6-DC1EFABCC5B9}" type="datetimeFigureOut">
               <a:rPr lang="en-CA" smtClean="0"/>
-              <a:t>2017-12-08</a:t>
+              <a:t>2017-12-13</a:t>
             </a:fld>
             <a:endParaRPr lang="en-CA"/>
           </a:p>
@@ -2825,7 +2831,7 @@
           <a:p>
             <a:fld id="{CAC7EC3A-DE64-4893-BEB6-DC1EFABCC5B9}" type="datetimeFigureOut">
               <a:rPr lang="en-CA" smtClean="0"/>
-              <a:t>2017-12-08</a:t>
+              <a:t>2017-12-13</a:t>
             </a:fld>
             <a:endParaRPr lang="en-CA"/>
           </a:p>
@@ -2967,7 +2973,7 @@
           <a:p>
             <a:fld id="{CAC7EC3A-DE64-4893-BEB6-DC1EFABCC5B9}" type="datetimeFigureOut">
               <a:rPr lang="en-CA" smtClean="0"/>
-              <a:t>2017-12-08</a:t>
+              <a:t>2017-12-13</a:t>
             </a:fld>
             <a:endParaRPr lang="en-CA"/>
           </a:p>
@@ -3080,7 +3086,7 @@
           <a:p>
             <a:fld id="{CAC7EC3A-DE64-4893-BEB6-DC1EFABCC5B9}" type="datetimeFigureOut">
               <a:rPr lang="en-CA" smtClean="0"/>
-              <a:t>2017-12-08</a:t>
+              <a:t>2017-12-13</a:t>
             </a:fld>
             <a:endParaRPr lang="en-CA"/>
           </a:p>
@@ -3393,7 +3399,7 @@
           <a:p>
             <a:fld id="{CAC7EC3A-DE64-4893-BEB6-DC1EFABCC5B9}" type="datetimeFigureOut">
               <a:rPr lang="en-CA" smtClean="0"/>
-              <a:t>2017-12-08</a:t>
+              <a:t>2017-12-13</a:t>
             </a:fld>
             <a:endParaRPr lang="en-CA"/>
           </a:p>
@@ -3682,7 +3688,7 @@
           <a:p>
             <a:fld id="{CAC7EC3A-DE64-4893-BEB6-DC1EFABCC5B9}" type="datetimeFigureOut">
               <a:rPr lang="en-CA" smtClean="0"/>
-              <a:t>2017-12-08</a:t>
+              <a:t>2017-12-13</a:t>
             </a:fld>
             <a:endParaRPr lang="en-CA"/>
           </a:p>
@@ -3925,7 +3931,7 @@
           <a:p>
             <a:fld id="{CAC7EC3A-DE64-4893-BEB6-DC1EFABCC5B9}" type="datetimeFigureOut">
               <a:rPr lang="en-CA" smtClean="0"/>
-              <a:t>2017-12-08</a:t>
+              <a:t>2017-12-13</a:t>
             </a:fld>
             <a:endParaRPr lang="en-CA"/>
           </a:p>
@@ -4596,6 +4602,159 @@
 <file path=ppt/slides/slide10.xml><?xml version="1.0" encoding="utf-8"?>
 <p:sld xmlns:a="http://schemas.openxmlformats.org/drawingml/2006/main" xmlns:r="http://schemas.openxmlformats.org/officeDocument/2006/relationships" xmlns:p="http://schemas.openxmlformats.org/presentationml/2006/main">
   <p:cSld>
+    <p:spTree>
+      <p:nvGrpSpPr>
+        <p:cNvPr id="1" name=""/>
+        <p:cNvGrpSpPr/>
+        <p:nvPr/>
+      </p:nvGrpSpPr>
+      <p:grpSpPr>
+        <a:xfrm>
+          <a:off x="0" y="0"/>
+          <a:ext cx="0" cy="0"/>
+          <a:chOff x="0" y="0"/>
+          <a:chExt cx="0" cy="0"/>
+        </a:xfrm>
+      </p:grpSpPr>
+      <p:sp>
+        <p:nvSpPr>
+          <p:cNvPr id="2" name="Title 1">
+            <a:extLst>
+              <a:ext uri="{FF2B5EF4-FFF2-40B4-BE49-F238E27FC236}">
+                <a16:creationId xmlns:a16="http://schemas.microsoft.com/office/drawing/2014/main" id="{57B7CE7D-917F-40D5-9D78-CB14D4AC804D}"/>
+              </a:ext>
+            </a:extLst>
+          </p:cNvPr>
+          <p:cNvSpPr>
+            <a:spLocks noGrp="1"/>
+          </p:cNvSpPr>
+          <p:nvPr>
+            <p:ph type="title"/>
+          </p:nvPr>
+        </p:nvSpPr>
+        <p:spPr>
+          <a:xfrm>
+            <a:off x="728870" y="365125"/>
+            <a:ext cx="10624930" cy="1325563"/>
+          </a:xfrm>
+        </p:spPr>
+        <p:txBody>
+          <a:bodyPr>
+            <a:normAutofit/>
+          </a:bodyPr>
+          <a:lstStyle/>
+          <a:p>
+            <a:pPr algn="ctr"/>
+            <a:r>
+              <a:rPr lang="en-CA" sz="4000" dirty="0"/>
+              <a:t>Package Delivery Problem With Timing Windows:</a:t>
+            </a:r>
+            <a:br>
+              <a:rPr lang="en-CA" sz="4000" dirty="0"/>
+            </a:br>
+            <a:r>
+              <a:rPr lang="en-CA" sz="4000" dirty="0"/>
+              <a:t>Massaged into Invasion Solver</a:t>
+            </a:r>
+          </a:p>
+        </p:txBody>
+      </p:sp>
+      <p:sp>
+        <p:nvSpPr>
+          <p:cNvPr id="3" name="Content Placeholder 2">
+            <a:extLst>
+              <a:ext uri="{FF2B5EF4-FFF2-40B4-BE49-F238E27FC236}">
+                <a16:creationId xmlns:a16="http://schemas.microsoft.com/office/drawing/2014/main" id="{5968830B-27D6-4CC2-81D0-9C59DF6D7598}"/>
+              </a:ext>
+            </a:extLst>
+          </p:cNvPr>
+          <p:cNvSpPr>
+            <a:spLocks noGrp="1"/>
+          </p:cNvSpPr>
+          <p:nvPr>
+            <p:ph idx="1"/>
+          </p:nvPr>
+        </p:nvSpPr>
+        <p:spPr/>
+        <p:txBody>
+          <a:bodyPr>
+            <a:normAutofit/>
+          </a:bodyPr>
+          <a:lstStyle/>
+          <a:p>
+            <a:r>
+              <a:rPr lang="en-CA" sz="3600" dirty="0">
+                <a:solidFill>
+                  <a:schemeClr val="tx1">
+                    <a:lumMod val="50000"/>
+                    <a:lumOff val="50000"/>
+                  </a:schemeClr>
+                </a:solidFill>
+              </a:rPr>
+              <a:t>N locations to delivery to</a:t>
+            </a:r>
+          </a:p>
+          <a:p>
+            <a:r>
+              <a:rPr lang="en-CA" sz="3600" dirty="0">
+                <a:solidFill>
+                  <a:schemeClr val="tx1">
+                    <a:lumMod val="50000"/>
+                    <a:lumOff val="50000"/>
+                  </a:schemeClr>
+                </a:solidFill>
+              </a:rPr>
+              <a:t>Each location has an expected delivery time</a:t>
+            </a:r>
+          </a:p>
+          <a:p>
+            <a:r>
+              <a:rPr lang="en-CA" sz="3600" dirty="0">
+                <a:solidFill>
+                  <a:schemeClr val="tx1">
+                    <a:lumMod val="50000"/>
+                    <a:lumOff val="50000"/>
+                  </a:schemeClr>
+                </a:solidFill>
+              </a:rPr>
+              <a:t>Not always possible to do with only one truck</a:t>
+            </a:r>
+          </a:p>
+          <a:p>
+            <a:r>
+              <a:rPr lang="en-CA" sz="3600" dirty="0"/>
+              <a:t>Split delivery between multiple trucks</a:t>
+            </a:r>
+          </a:p>
+          <a:p>
+            <a:pPr lvl="1"/>
+            <a:r>
+              <a:rPr lang="en-CA" sz="3600" dirty="0">
+                <a:solidFill>
+                  <a:srgbClr val="FF0000"/>
+                </a:solidFill>
+              </a:rPr>
+              <a:t>Split the invading army into sub armies</a:t>
+            </a:r>
+          </a:p>
+        </p:txBody>
+      </p:sp>
+    </p:spTree>
+    <p:extLst>
+      <p:ext uri="{BB962C8B-B14F-4D97-AF65-F5344CB8AC3E}">
+        <p14:creationId xmlns:p14="http://schemas.microsoft.com/office/powerpoint/2010/main" val="2821131430"/>
+      </p:ext>
+    </p:extLst>
+  </p:cSld>
+  <p:clrMapOvr>
+    <a:masterClrMapping/>
+  </p:clrMapOvr>
+</p:sld>
+</file>
+
+<file path=ppt/slides/slide11.xml><?xml version="1.0" encoding="utf-8"?>
+<p:sld xmlns:a="http://schemas.openxmlformats.org/drawingml/2006/main" xmlns:r="http://schemas.openxmlformats.org/officeDocument/2006/relationships" xmlns:p="http://schemas.openxmlformats.org/presentationml/2006/main">
+  <p:cSld>
     <p:bg>
       <p:bgPr>
         <a:solidFill>
@@ -4713,7 +4872,7 @@
         </p:spPr>
         <p:txBody>
           <a:bodyPr vert="horz" lIns="91440" tIns="45720" rIns="91440" bIns="45720" rtlCol="0">
-            <a:normAutofit/>
+            <a:normAutofit fontScale="92500"/>
           </a:bodyPr>
           <a:lstStyle/>
           <a:p>
@@ -4745,7 +4904,39 @@
             </a:pPr>
             <a:r>
               <a:rPr lang="en-US" sz="3200" dirty="0"/>
+              <a:t>And-Tree</a:t>
+            </a:r>
+          </a:p>
+          <a:p>
+            <a:pPr marL="742950" lvl="1" indent="-228600">
+              <a:lnSpc>
+                <a:spcPct val="90000"/>
+              </a:lnSpc>
+              <a:spcAft>
+                <a:spcPts val="600"/>
+              </a:spcAft>
+              <a:buFont typeface="Arial" panose="020B0604020202020204" pitchFamily="34" charset="0"/>
+              <a:buChar char="•"/>
+            </a:pPr>
+            <a:r>
+              <a:rPr lang="en-US" sz="3200" dirty="0"/>
               <a:t>Exponential search times</a:t>
+            </a:r>
+          </a:p>
+          <a:p>
+            <a:pPr marL="742950" lvl="1" indent="-228600">
+              <a:lnSpc>
+                <a:spcPct val="90000"/>
+              </a:lnSpc>
+              <a:spcAft>
+                <a:spcPts val="600"/>
+              </a:spcAft>
+              <a:buFont typeface="Arial" panose="020B0604020202020204" pitchFamily="34" charset="0"/>
+              <a:buChar char="•"/>
+            </a:pPr>
+            <a:r>
+              <a:rPr lang="en-US" sz="3200" dirty="0"/>
+              <a:t>Find the best case</a:t>
             </a:r>
           </a:p>
           <a:p>
@@ -4761,11 +4952,11 @@
             </a:pPr>
             <a:r>
               <a:rPr lang="en-US" sz="3200" dirty="0"/>
-              <a:t>And-Tree for best solution</a:t>
-            </a:r>
-          </a:p>
-          <a:p>
-            <a:pPr marL="285750" indent="-228600">
+              <a:t>Or-Tree</a:t>
+            </a:r>
+          </a:p>
+          <a:p>
+            <a:pPr marL="742950" lvl="1" indent="-228600">
               <a:lnSpc>
                 <a:spcPct val="90000"/>
               </a:lnSpc>
@@ -4777,7 +4968,23 @@
             </a:pPr>
             <a:r>
               <a:rPr lang="en-US" sz="3200" dirty="0"/>
-              <a:t>Or-Tree for ‘a’ solution</a:t>
+              <a:t>Worst case Exponential</a:t>
+            </a:r>
+          </a:p>
+          <a:p>
+            <a:pPr marL="742950" lvl="1" indent="-228600">
+              <a:lnSpc>
+                <a:spcPct val="90000"/>
+              </a:lnSpc>
+              <a:spcAft>
+                <a:spcPts val="600"/>
+              </a:spcAft>
+              <a:buFont typeface="Arial" panose="020B0604020202020204" pitchFamily="34" charset="0"/>
+              <a:buChar char="•"/>
+            </a:pPr>
+            <a:r>
+              <a:rPr lang="en-US" sz="3200" dirty="0"/>
+              <a:t>Finds a solution</a:t>
             </a:r>
           </a:p>
         </p:txBody>
@@ -4795,7 +5002,7 @@
 </p:sld>
 </file>
 
-<file path=ppt/slides/slide11.xml><?xml version="1.0" encoding="utf-8"?>
+<file path=ppt/slides/slide12.xml><?xml version="1.0" encoding="utf-8"?>
 <p:sld xmlns:a="http://schemas.openxmlformats.org/drawingml/2006/main" xmlns:r="http://schemas.openxmlformats.org/officeDocument/2006/relationships" xmlns:p="http://schemas.openxmlformats.org/presentationml/2006/main">
   <p:cSld>
     <p:bg>
@@ -5158,7 +5365,7 @@
 </p:sld>
 </file>
 
-<file path=ppt/slides/slide12.xml><?xml version="1.0" encoding="utf-8"?>
+<file path=ppt/slides/slide13.xml><?xml version="1.0" encoding="utf-8"?>
 <p:sld xmlns:a="http://schemas.openxmlformats.org/drawingml/2006/main" xmlns:r="http://schemas.openxmlformats.org/officeDocument/2006/relationships" xmlns:p="http://schemas.openxmlformats.org/presentationml/2006/main">
   <p:cSld>
     <p:bg>
@@ -5447,7 +5654,7 @@
 </p:sld>
 </file>
 
-<file path=ppt/slides/slide13.xml><?xml version="1.0" encoding="utf-8"?>
+<file path=ppt/slides/slide14.xml><?xml version="1.0" encoding="utf-8"?>
 <p:sld xmlns:a="http://schemas.openxmlformats.org/drawingml/2006/main" xmlns:r="http://schemas.openxmlformats.org/officeDocument/2006/relationships" xmlns:p="http://schemas.openxmlformats.org/presentationml/2006/main">
   <p:cSld>
     <p:bg>
@@ -5743,7 +5950,7 @@
 </p:sld>
 </file>
 
-<file path=ppt/slides/slide14.xml><?xml version="1.0" encoding="utf-8"?>
+<file path=ppt/slides/slide15.xml><?xml version="1.0" encoding="utf-8"?>
 <p:sld xmlns:a="http://schemas.openxmlformats.org/drawingml/2006/main" xmlns:r="http://schemas.openxmlformats.org/officeDocument/2006/relationships" xmlns:p="http://schemas.openxmlformats.org/presentationml/2006/main">
   <p:cSld>
     <p:bg>
@@ -6055,147 +6262,6 @@
 </p:sld>
 </file>
 
-<file path=ppt/slides/slide15.xml><?xml version="1.0" encoding="utf-8"?>
-<p:sld xmlns:a="http://schemas.openxmlformats.org/drawingml/2006/main" xmlns:r="http://schemas.openxmlformats.org/officeDocument/2006/relationships" xmlns:p="http://schemas.openxmlformats.org/presentationml/2006/main">
-  <p:cSld>
-    <p:spTree>
-      <p:nvGrpSpPr>
-        <p:cNvPr id="1" name=""/>
-        <p:cNvGrpSpPr/>
-        <p:nvPr/>
-      </p:nvGrpSpPr>
-      <p:grpSpPr>
-        <a:xfrm>
-          <a:off x="0" y="0"/>
-          <a:ext cx="0" cy="0"/>
-          <a:chOff x="0" y="0"/>
-          <a:chExt cx="0" cy="0"/>
-        </a:xfrm>
-      </p:grpSpPr>
-      <p:sp>
-        <p:nvSpPr>
-          <p:cNvPr id="2" name="Title 1">
-            <a:extLst>
-              <a:ext uri="{FF2B5EF4-FFF2-40B4-BE49-F238E27FC236}">
-                <a16:creationId xmlns:a16="http://schemas.microsoft.com/office/drawing/2014/main" id="{FB0D7FBF-4BAB-4FBB-B77E-5A3FD906208F}"/>
-              </a:ext>
-            </a:extLst>
-          </p:cNvPr>
-          <p:cNvSpPr>
-            <a:spLocks noGrp="1"/>
-          </p:cNvSpPr>
-          <p:nvPr>
-            <p:ph type="title"/>
-          </p:nvPr>
-        </p:nvSpPr>
-        <p:spPr/>
-        <p:txBody>
-          <a:bodyPr/>
-          <a:lstStyle/>
-          <a:p>
-            <a:r>
-              <a:rPr lang="en-CA" dirty="0"/>
-              <a:t>How attacks are Calculated</a:t>
-            </a:r>
-          </a:p>
-        </p:txBody>
-      </p:sp>
-      <p:sp>
-        <p:nvSpPr>
-          <p:cNvPr id="3" name="Content Placeholder 2">
-            <a:extLst>
-              <a:ext uri="{FF2B5EF4-FFF2-40B4-BE49-F238E27FC236}">
-                <a16:creationId xmlns:a16="http://schemas.microsoft.com/office/drawing/2014/main" id="{D5D68918-C655-44A8-8C68-0617E6362517}"/>
-              </a:ext>
-            </a:extLst>
-          </p:cNvPr>
-          <p:cNvSpPr>
-            <a:spLocks noGrp="1"/>
-          </p:cNvSpPr>
-          <p:nvPr>
-            <p:ph idx="1"/>
-          </p:nvPr>
-        </p:nvSpPr>
-        <p:spPr/>
-        <p:txBody>
-          <a:bodyPr>
-            <a:normAutofit/>
-          </a:bodyPr>
-          <a:lstStyle/>
-          <a:p>
-            <a:r>
-              <a:rPr lang="en-CA" dirty="0"/>
-              <a:t>Units positioned relative to fort</a:t>
-            </a:r>
-          </a:p>
-          <a:p>
-            <a:pPr lvl="1"/>
-            <a:r>
-              <a:rPr lang="en-CA" dirty="0"/>
-              <a:t>Soldiers up front</a:t>
-            </a:r>
-          </a:p>
-          <a:p>
-            <a:pPr lvl="1"/>
-            <a:r>
-              <a:rPr lang="en-CA" dirty="0"/>
-              <a:t>Archers in back</a:t>
-            </a:r>
-          </a:p>
-          <a:p>
-            <a:pPr lvl="1"/>
-            <a:r>
-              <a:rPr lang="en-CA" dirty="0"/>
-              <a:t>Damage spread across each row until distributed</a:t>
-            </a:r>
-          </a:p>
-          <a:p>
-            <a:r>
-              <a:rPr lang="en-CA" dirty="0"/>
-              <a:t>Fort damage relative to army strength</a:t>
-            </a:r>
-          </a:p>
-          <a:p>
-            <a:pPr lvl="1"/>
-            <a:r>
-              <a:rPr lang="en-CA" dirty="0"/>
-              <a:t>The stronger the army, the less time a fort can retaliate</a:t>
-            </a:r>
-          </a:p>
-          <a:p>
-            <a:r>
-              <a:rPr lang="en-CA" dirty="0"/>
-              <a:t>Stacking bonuses</a:t>
-            </a:r>
-          </a:p>
-          <a:p>
-            <a:pPr lvl="1"/>
-            <a:r>
-              <a:rPr lang="en-CA" dirty="0"/>
-              <a:t>Stronger in groups</a:t>
-            </a:r>
-          </a:p>
-          <a:p>
-            <a:r>
-              <a:rPr lang="en-CA" dirty="0"/>
-              <a:t>Solver has incentive for units to group up! </a:t>
-            </a:r>
-          </a:p>
-        </p:txBody>
-      </p:sp>
-    </p:spTree>
-    <p:extLst>
-      <p:ext uri="{BB962C8B-B14F-4D97-AF65-F5344CB8AC3E}">
-        <p14:creationId xmlns:p14="http://schemas.microsoft.com/office/powerpoint/2010/main" val="2479692916"/>
-      </p:ext>
-    </p:extLst>
-  </p:cSld>
-  <p:clrMapOvr>
-    <a:masterClrMapping/>
-  </p:clrMapOvr>
-</p:sld>
-</file>
-
 <file path=ppt/slides/slide16.xml><?xml version="1.0" encoding="utf-8"?>
 <p:sld xmlns:a="http://schemas.openxmlformats.org/drawingml/2006/main" xmlns:r="http://schemas.openxmlformats.org/officeDocument/2006/relationships" xmlns:p="http://schemas.openxmlformats.org/presentationml/2006/main">
   <p:cSld>
@@ -6218,7 +6284,7 @@
           <p:cNvPr id="2" name="Title 1">
             <a:extLst>
               <a:ext uri="{FF2B5EF4-FFF2-40B4-BE49-F238E27FC236}">
-                <a16:creationId xmlns:a16="http://schemas.microsoft.com/office/drawing/2014/main" id="{C7DA343D-69AC-47ED-A62C-8EAA256B13B8}"/>
+                <a16:creationId xmlns:a16="http://schemas.microsoft.com/office/drawing/2014/main" id="{FB0D7FBF-4BAB-4FBB-B77E-5A3FD906208F}"/>
               </a:ext>
             </a:extLst>
           </p:cNvPr>
@@ -6236,7 +6302,7 @@
           <a:p>
             <a:r>
               <a:rPr lang="en-CA" dirty="0"/>
-              <a:t>Two Simulations: Sequential Army vs Parallel army</a:t>
+              <a:t>How attacks are Calculated</a:t>
             </a:r>
           </a:p>
         </p:txBody>
@@ -6246,7 +6312,7 @@
           <p:cNvPr id="3" name="Content Placeholder 2">
             <a:extLst>
               <a:ext uri="{FF2B5EF4-FFF2-40B4-BE49-F238E27FC236}">
-                <a16:creationId xmlns:a16="http://schemas.microsoft.com/office/drawing/2014/main" id="{E8F74716-A268-464E-AA4C-B909A825C887}"/>
+                <a16:creationId xmlns:a16="http://schemas.microsoft.com/office/drawing/2014/main" id="{D5D68918-C655-44A8-8C68-0617E6362517}"/>
               </a:ext>
             </a:extLst>
           </p:cNvPr>
@@ -6259,60 +6325,67 @@
         </p:nvSpPr>
         <p:spPr/>
         <p:txBody>
-          <a:bodyPr/>
+          <a:bodyPr>
+            <a:normAutofit/>
+          </a:bodyPr>
           <a:lstStyle/>
           <a:p>
             <a:r>
               <a:rPr lang="en-CA" dirty="0"/>
-              <a:t>Sequential Invasion run first</a:t>
+              <a:t>Units positioned relative to fort</a:t>
             </a:r>
           </a:p>
           <a:p>
             <a:pPr lvl="1"/>
             <a:r>
               <a:rPr lang="en-CA" dirty="0"/>
-              <a:t>Army must stay together</a:t>
+              <a:t>Soldiers up front</a:t>
             </a:r>
           </a:p>
           <a:p>
             <a:pPr lvl="1"/>
             <a:r>
               <a:rPr lang="en-CA" dirty="0"/>
-              <a:t>Can either attack or heal</a:t>
+              <a:t>Archers in back</a:t>
             </a:r>
           </a:p>
           <a:p>
             <a:pPr lvl="1"/>
             <a:r>
               <a:rPr lang="en-CA" dirty="0"/>
-              <a:t>Create a depth bound on Parallel Invasion search</a:t>
+              <a:t>Damage spread across each row until distributed</a:t>
             </a:r>
           </a:p>
           <a:p>
             <a:r>
               <a:rPr lang="en-CA" dirty="0"/>
-              <a:t>Parallel Invasion </a:t>
+              <a:t>Fort damage relative to army strength</a:t>
             </a:r>
           </a:p>
           <a:p>
             <a:pPr lvl="1"/>
             <a:r>
               <a:rPr lang="en-CA" dirty="0"/>
-              <a:t>Army can stay together or split into sub armies</a:t>
+              <a:t>The stronger the army, the less time a fort can retaliate</a:t>
+            </a:r>
+          </a:p>
+          <a:p>
+            <a:r>
+              <a:rPr lang="en-CA" dirty="0"/>
+              <a:t>Stacking bonuses</a:t>
             </a:r>
           </a:p>
           <a:p>
             <a:pPr lvl="1"/>
             <a:r>
               <a:rPr lang="en-CA" dirty="0"/>
-              <a:t>One sub army devoted to healing</a:t>
-            </a:r>
-          </a:p>
-          <a:p>
-            <a:pPr lvl="1"/>
+              <a:t>Stronger in groups</a:t>
+            </a:r>
+          </a:p>
+          <a:p>
             <a:r>
               <a:rPr lang="en-CA" dirty="0"/>
-              <a:t>Only solutions that are faster than sequential invasion considered</a:t>
+              <a:t>Solver has incentive for units to group up! </a:t>
             </a:r>
           </a:p>
         </p:txBody>
@@ -6320,7 +6393,7 @@
     </p:spTree>
     <p:extLst>
       <p:ext uri="{BB962C8B-B14F-4D97-AF65-F5344CB8AC3E}">
-        <p14:creationId xmlns:p14="http://schemas.microsoft.com/office/powerpoint/2010/main" val="2815692792"/>
+        <p14:creationId xmlns:p14="http://schemas.microsoft.com/office/powerpoint/2010/main" val="2479692916"/>
       </p:ext>
     </p:extLst>
   </p:cSld>
@@ -6352,7 +6425,7 @@
           <p:cNvPr id="2" name="Title 1">
             <a:extLst>
               <a:ext uri="{FF2B5EF4-FFF2-40B4-BE49-F238E27FC236}">
-                <a16:creationId xmlns:a16="http://schemas.microsoft.com/office/drawing/2014/main" id="{DC82C34A-7F53-4967-A56F-E1DD08AAB0FB}"/>
+                <a16:creationId xmlns:a16="http://schemas.microsoft.com/office/drawing/2014/main" id="{C7DA343D-69AC-47ED-A62C-8EAA256B13B8}"/>
               </a:ext>
             </a:extLst>
           </p:cNvPr>
@@ -6363,19 +6436,14 @@
             <p:ph type="title"/>
           </p:nvPr>
         </p:nvSpPr>
-        <p:spPr>
-          <a:xfrm>
-            <a:off x="838200" y="80168"/>
-            <a:ext cx="10515600" cy="1325563"/>
-          </a:xfrm>
-        </p:spPr>
+        <p:spPr/>
         <p:txBody>
           <a:bodyPr/>
           <a:lstStyle/>
           <a:p>
             <a:r>
               <a:rPr lang="en-CA" dirty="0"/>
-              <a:t>Running time? Bell Numbers 	</a:t>
+              <a:t>Two Simulations: Sequential Army vs Parallel army</a:t>
             </a:r>
           </a:p>
         </p:txBody>
@@ -6385,7 +6453,7 @@
           <p:cNvPr id="3" name="Content Placeholder 2">
             <a:extLst>
               <a:ext uri="{FF2B5EF4-FFF2-40B4-BE49-F238E27FC236}">
-                <a16:creationId xmlns:a16="http://schemas.microsoft.com/office/drawing/2014/main" id="{FFA172DD-FF3D-466B-BB96-CF635DA32641}"/>
+                <a16:creationId xmlns:a16="http://schemas.microsoft.com/office/drawing/2014/main" id="{E8F74716-A268-464E-AA4C-B909A825C887}"/>
               </a:ext>
             </a:extLst>
           </p:cNvPr>
@@ -6396,319 +6464,62 @@
             <p:ph idx="1"/>
           </p:nvPr>
         </p:nvSpPr>
-        <p:spPr>
-          <a:xfrm>
-            <a:off x="838200" y="1253331"/>
-            <a:ext cx="10515600" cy="4351338"/>
-          </a:xfrm>
-        </p:spPr>
-        <p:txBody>
-          <a:bodyPr>
-            <a:normAutofit lnSpcReduction="10000"/>
-          </a:bodyPr>
+        <p:spPr/>
+        <p:txBody>
+          <a:bodyPr/>
           <a:lstStyle/>
           <a:p>
             <a:r>
               <a:rPr lang="en-CA" dirty="0"/>
-              <a:t>Worst case scenario:</a:t>
+              <a:t>Sequential Invasion run first</a:t>
             </a:r>
           </a:p>
           <a:p>
             <a:pPr lvl="1"/>
             <a:r>
               <a:rPr lang="en-CA" dirty="0"/>
-              <a:t>n units to split up, k forts to capture </a:t>
+              <a:t>Army must stay together</a:t>
             </a:r>
           </a:p>
           <a:p>
             <a:pPr lvl="1"/>
             <a:r>
               <a:rPr lang="en-CA" dirty="0"/>
-              <a:t>All forts are attackable </a:t>
-            </a:r>
-          </a:p>
-          <a:p>
+              <a:t>Can either attack or heal</a:t>
+            </a:r>
+          </a:p>
+          <a:p>
+            <a:pPr lvl="1"/>
             <a:r>
               <a:rPr lang="en-CA" dirty="0"/>
-              <a:t>Sterling Number of Second Kind: </a:t>
+              <a:t>Create a depth bound on Parallel Invasion search</a:t>
+            </a:r>
+          </a:p>
+          <a:p>
+            <a:r>
+              <a:rPr lang="en-CA" dirty="0"/>
+              <a:t>Parallel Invasion </a:t>
             </a:r>
           </a:p>
           <a:p>
             <a:pPr lvl="1"/>
             <a:r>
               <a:rPr lang="en-CA" dirty="0"/>
-              <a:t>..count the ways to partition a set of n objects into k nonempty subsets..</a:t>
+              <a:t>Army can stay together or split into sub armies</a:t>
             </a:r>
           </a:p>
           <a:p>
             <a:pPr lvl="1"/>
-            <a:endParaRPr lang="en-CA" dirty="0"/>
-          </a:p>
-          <a:p>
-            <a:endParaRPr lang="en-CA" dirty="0"/>
-          </a:p>
-          <a:p>
             <a:r>
               <a:rPr lang="en-CA" dirty="0"/>
-              <a:t>Bell Numbers</a:t>
+              <a:t>One sub army devoted to healing</a:t>
             </a:r>
           </a:p>
           <a:p>
             <a:pPr lvl="1"/>
             <a:r>
               <a:rPr lang="en-CA" dirty="0"/>
-              <a:t>..the sum over the values for k of the Stirling numbers of the second kind..</a:t>
-            </a:r>
-          </a:p>
-          <a:p>
-            <a:pPr lvl="1"/>
-            <a:r>
-              <a:rPr lang="en-CA" dirty="0"/>
-              <a:t>1 sub army + 2 sub armies + n sub armies… </a:t>
-            </a:r>
-          </a:p>
-          <a:p>
-            <a:pPr lvl="2"/>
-            <a:endParaRPr lang="en-CA" dirty="0"/>
-          </a:p>
-        </p:txBody>
-      </p:sp>
-      <p:sp>
-        <p:nvSpPr>
-          <p:cNvPr id="7" name="AutoShape 5" descr="{\displaystyle n\geq 1,\left\{{n \atop 1}\right\}=1}">
-            <a:extLst>
-              <a:ext uri="{FF2B5EF4-FFF2-40B4-BE49-F238E27FC236}">
-                <a16:creationId xmlns:a16="http://schemas.microsoft.com/office/drawing/2014/main" id="{2DB60B18-2602-4CE5-BE4E-5A9FA58E947B}"/>
-              </a:ext>
-            </a:extLst>
-          </p:cNvPr>
-          <p:cNvSpPr>
-            <a:spLocks noChangeAspect="1" noChangeArrowheads="1"/>
-          </p:cNvSpPr>
-          <p:nvPr/>
-        </p:nvSpPr>
-        <p:spPr bwMode="auto">
-          <a:xfrm>
-            <a:off x="5943600" y="3276600"/>
-            <a:ext cx="304800" cy="304800"/>
-          </a:xfrm>
-          <a:prstGeom prst="rect">
-            <a:avLst/>
-          </a:prstGeom>
-          <a:noFill/>
-          <a:extLst>
-            <a:ext uri="{909E8E84-426E-40DD-AFC4-6F175D3DCCD1}">
-              <a14:hiddenFill xmlns:a14="http://schemas.microsoft.com/office/drawing/2010/main">
-                <a:solidFill>
-                  <a:srgbClr val="FFFFFF"/>
-                </a:solidFill>
-              </a14:hiddenFill>
-            </a:ext>
-          </a:extLst>
-        </p:spPr>
-        <p:txBody>
-          <a:bodyPr vert="horz" wrap="square" lIns="91440" tIns="45720" rIns="91440" bIns="45720" numCol="1" anchor="t" anchorCtr="0" compatLnSpc="1">
-            <a:prstTxWarp prst="textNoShape">
-              <a:avLst/>
-            </a:prstTxWarp>
-          </a:bodyPr>
-          <a:lstStyle/>
-          <a:p>
-            <a:endParaRPr lang="en-CA"/>
-          </a:p>
-        </p:txBody>
-      </p:sp>
-      <p:sp>
-        <p:nvSpPr>
-          <p:cNvPr id="8" name="AutoShape 7" descr="{\displaystyle n\geq 1,\left\{{n \atop 1}\right\}=1}">
-            <a:extLst>
-              <a:ext uri="{FF2B5EF4-FFF2-40B4-BE49-F238E27FC236}">
-                <a16:creationId xmlns:a16="http://schemas.microsoft.com/office/drawing/2014/main" id="{69F79FD6-F914-4BF6-BC32-4F95B2F77B32}"/>
-              </a:ext>
-            </a:extLst>
-          </p:cNvPr>
-          <p:cNvSpPr>
-            <a:spLocks noChangeAspect="1" noChangeArrowheads="1"/>
-          </p:cNvSpPr>
-          <p:nvPr/>
-        </p:nvSpPr>
-        <p:spPr bwMode="auto">
-          <a:xfrm>
-            <a:off x="6096000" y="3429000"/>
-            <a:ext cx="304800" cy="304800"/>
-          </a:xfrm>
-          <a:prstGeom prst="rect">
-            <a:avLst/>
-          </a:prstGeom>
-          <a:noFill/>
-          <a:extLst>
-            <a:ext uri="{909E8E84-426E-40DD-AFC4-6F175D3DCCD1}">
-              <a14:hiddenFill xmlns:a14="http://schemas.microsoft.com/office/drawing/2010/main">
-                <a:solidFill>
-                  <a:srgbClr val="FFFFFF"/>
-                </a:solidFill>
-              </a14:hiddenFill>
-            </a:ext>
-          </a:extLst>
-        </p:spPr>
-        <p:txBody>
-          <a:bodyPr vert="horz" wrap="square" lIns="91440" tIns="45720" rIns="91440" bIns="45720" numCol="1" anchor="t" anchorCtr="0" compatLnSpc="1">
-            <a:prstTxWarp prst="textNoShape">
-              <a:avLst/>
-            </a:prstTxWarp>
-          </a:bodyPr>
-          <a:lstStyle/>
-          <a:p>
-            <a:endParaRPr lang="en-CA"/>
-          </a:p>
-        </p:txBody>
-      </p:sp>
-      <p:pic>
-        <p:nvPicPr>
-          <p:cNvPr id="12" name="Picture 11" descr="A close up of a logo&#10;&#10;Description generated with very high confidence">
-            <a:extLst>
-              <a:ext uri="{FF2B5EF4-FFF2-40B4-BE49-F238E27FC236}">
-                <a16:creationId xmlns:a16="http://schemas.microsoft.com/office/drawing/2014/main" id="{E14DE600-0CC9-434E-984D-E8D96B649402}"/>
-              </a:ext>
-            </a:extLst>
-          </p:cNvPr>
-          <p:cNvPicPr>
-            <a:picLocks noChangeAspect="1"/>
-          </p:cNvPicPr>
-          <p:nvPr/>
-        </p:nvPicPr>
-        <p:blipFill>
-          <a:blip r:embed="rId2">
-            <a:extLst>
-              <a:ext uri="{28A0092B-C50C-407E-A947-70E740481C1C}">
-                <a14:useLocalDpi xmlns:a14="http://schemas.microsoft.com/office/drawing/2010/main" val="0"/>
-              </a:ext>
-            </a:extLst>
-          </a:blip>
-          <a:stretch>
-            <a:fillRect/>
-          </a:stretch>
-        </p:blipFill>
-        <p:spPr>
-          <a:xfrm>
-            <a:off x="1554717" y="3290847"/>
-            <a:ext cx="3519967" cy="581106"/>
-          </a:xfrm>
-          <a:prstGeom prst="rect">
-            <a:avLst/>
-          </a:prstGeom>
-        </p:spPr>
-      </p:pic>
-      <p:pic>
-        <p:nvPicPr>
-          <p:cNvPr id="14" name="Picture 13">
-            <a:extLst>
-              <a:ext uri="{FF2B5EF4-FFF2-40B4-BE49-F238E27FC236}">
-                <a16:creationId xmlns:a16="http://schemas.microsoft.com/office/drawing/2014/main" id="{D9EE2CB8-0B37-4DBC-B86A-6A92D82DC0EC}"/>
-              </a:ext>
-            </a:extLst>
-          </p:cNvPr>
-          <p:cNvPicPr>
-            <a:picLocks noChangeAspect="1"/>
-          </p:cNvPicPr>
-          <p:nvPr/>
-        </p:nvPicPr>
-        <p:blipFill>
-          <a:blip r:embed="rId3">
-            <a:extLst>
-              <a:ext uri="{28A0092B-C50C-407E-A947-70E740481C1C}">
-                <a14:useLocalDpi xmlns:a14="http://schemas.microsoft.com/office/drawing/2010/main" val="0"/>
-              </a:ext>
-            </a:extLst>
-          </a:blip>
-          <a:stretch>
-            <a:fillRect/>
-          </a:stretch>
-        </p:blipFill>
-        <p:spPr>
-          <a:xfrm>
-            <a:off x="1554717" y="5101086"/>
-            <a:ext cx="3343100" cy="1007165"/>
-          </a:xfrm>
-          <a:prstGeom prst="rect">
-            <a:avLst/>
-          </a:prstGeom>
-        </p:spPr>
-      </p:pic>
-      <p:sp>
-        <p:nvSpPr>
-          <p:cNvPr id="15" name="TextBox 14">
-            <a:extLst>
-              <a:ext uri="{FF2B5EF4-FFF2-40B4-BE49-F238E27FC236}">
-                <a16:creationId xmlns:a16="http://schemas.microsoft.com/office/drawing/2014/main" id="{2FF94B47-F572-4446-AF70-3B0D2D782D99}"/>
-              </a:ext>
-            </a:extLst>
-          </p:cNvPr>
-          <p:cNvSpPr txBox="1"/>
-          <p:nvPr/>
-        </p:nvSpPr>
-        <p:spPr>
-          <a:xfrm>
-            <a:off x="5074684" y="5271685"/>
-            <a:ext cx="3689488" cy="584775"/>
-          </a:xfrm>
-          <a:prstGeom prst="rect">
-            <a:avLst/>
-          </a:prstGeom>
-          <a:noFill/>
-        </p:spPr>
-        <p:txBody>
-          <a:bodyPr wrap="square" rtlCol="0">
-            <a:spAutoFit/>
-          </a:bodyPr>
-          <a:lstStyle/>
-          <a:p>
-            <a:r>
-              <a:rPr lang="en-CA" sz="3200" dirty="0">
-                <a:solidFill>
-                  <a:srgbClr val="FF0000"/>
-                </a:solidFill>
-              </a:rPr>
-              <a:t>Sum of Exponentials</a:t>
-            </a:r>
-          </a:p>
-        </p:txBody>
-      </p:sp>
-      <p:sp>
-        <p:nvSpPr>
-          <p:cNvPr id="16" name="TextBox 15">
-            <a:extLst>
-              <a:ext uri="{FF2B5EF4-FFF2-40B4-BE49-F238E27FC236}">
-                <a16:creationId xmlns:a16="http://schemas.microsoft.com/office/drawing/2014/main" id="{55211F64-95F2-4642-BD2B-96EA937912BB}"/>
-              </a:ext>
-            </a:extLst>
-          </p:cNvPr>
-          <p:cNvSpPr txBox="1"/>
-          <p:nvPr/>
-        </p:nvSpPr>
-        <p:spPr>
-          <a:xfrm>
-            <a:off x="5074684" y="3246582"/>
-            <a:ext cx="2570922" cy="584775"/>
-          </a:xfrm>
-          <a:prstGeom prst="rect">
-            <a:avLst/>
-          </a:prstGeom>
-          <a:noFill/>
-        </p:spPr>
-        <p:txBody>
-          <a:bodyPr wrap="square" rtlCol="0">
-            <a:spAutoFit/>
-          </a:bodyPr>
-          <a:lstStyle/>
-          <a:p>
-            <a:r>
-              <a:rPr lang="en-CA" sz="3200" dirty="0">
-                <a:solidFill>
-                  <a:srgbClr val="FF0000"/>
-                </a:solidFill>
-              </a:rPr>
-              <a:t>Exponential!</a:t>
+              <a:t>Only solutions that are faster than sequential invasion considered</a:t>
             </a:r>
           </a:p>
         </p:txBody>
@@ -6716,7 +6527,7 @@
     </p:spTree>
     <p:extLst>
       <p:ext uri="{BB962C8B-B14F-4D97-AF65-F5344CB8AC3E}">
-        <p14:creationId xmlns:p14="http://schemas.microsoft.com/office/powerpoint/2010/main" val="3901809169"/>
+        <p14:creationId xmlns:p14="http://schemas.microsoft.com/office/powerpoint/2010/main" val="2815692792"/>
       </p:ext>
     </p:extLst>
   </p:cSld>
@@ -6748,7 +6559,7 @@
           <p:cNvPr id="2" name="Title 1">
             <a:extLst>
               <a:ext uri="{FF2B5EF4-FFF2-40B4-BE49-F238E27FC236}">
-                <a16:creationId xmlns:a16="http://schemas.microsoft.com/office/drawing/2014/main" id="{F41A5D5C-F768-473B-8705-D209C2F11C33}"/>
+                <a16:creationId xmlns:a16="http://schemas.microsoft.com/office/drawing/2014/main" id="{DC82C34A-7F53-4967-A56F-E1DD08AAB0FB}"/>
               </a:ext>
             </a:extLst>
           </p:cNvPr>
@@ -6759,14 +6570,19 @@
             <p:ph type="title"/>
           </p:nvPr>
         </p:nvSpPr>
-        <p:spPr/>
+        <p:spPr>
+          <a:xfrm>
+            <a:off x="838200" y="80168"/>
+            <a:ext cx="10515600" cy="1325563"/>
+          </a:xfrm>
+        </p:spPr>
         <p:txBody>
           <a:bodyPr/>
           <a:lstStyle/>
           <a:p>
             <a:r>
               <a:rPr lang="en-CA" dirty="0"/>
-              <a:t>Optimizations Necessary! </a:t>
+              <a:t>Running time? Bell Numbers 	</a:t>
             </a:r>
           </a:p>
         </p:txBody>
@@ -6776,7 +6592,7 @@
           <p:cNvPr id="3" name="Content Placeholder 2">
             <a:extLst>
               <a:ext uri="{FF2B5EF4-FFF2-40B4-BE49-F238E27FC236}">
-                <a16:creationId xmlns:a16="http://schemas.microsoft.com/office/drawing/2014/main" id="{62175A26-9F0C-4D52-9440-5D7759A92116}"/>
+                <a16:creationId xmlns:a16="http://schemas.microsoft.com/office/drawing/2014/main" id="{FFA172DD-FF3D-466B-BB96-CF635DA32641}"/>
               </a:ext>
             </a:extLst>
           </p:cNvPr>
@@ -6787,83 +6603,319 @@
             <p:ph idx="1"/>
           </p:nvPr>
         </p:nvSpPr>
-        <p:spPr/>
-        <p:txBody>
-          <a:bodyPr/>
+        <p:spPr>
+          <a:xfrm>
+            <a:off x="838200" y="1253331"/>
+            <a:ext cx="10515600" cy="4351338"/>
+          </a:xfrm>
+        </p:spPr>
+        <p:txBody>
+          <a:bodyPr>
+            <a:normAutofit lnSpcReduction="10000"/>
+          </a:bodyPr>
           <a:lstStyle/>
           <a:p>
             <a:r>
               <a:rPr lang="en-CA" dirty="0"/>
-              <a:t>Caching unit combinations</a:t>
+              <a:t>Worst case scenario:</a:t>
             </a:r>
           </a:p>
           <a:p>
             <a:pPr lvl="1"/>
             <a:r>
               <a:rPr lang="en-CA" dirty="0"/>
-              <a:t>Similarity function for sub armies</a:t>
-            </a:r>
-          </a:p>
-          <a:p>
+              <a:t>n units to split up, k forts to capture </a:t>
+            </a:r>
+          </a:p>
+          <a:p>
+            <a:pPr lvl="1"/>
             <a:r>
               <a:rPr lang="en-CA" dirty="0"/>
-              <a:t>Sub army must succeed</a:t>
+              <a:t>All forts are attackable </a:t>
+            </a:r>
+          </a:p>
+          <a:p>
+            <a:r>
+              <a:rPr lang="en-CA" dirty="0"/>
+              <a:t>Sterling Number of Second Kind: </a:t>
             </a:r>
           </a:p>
           <a:p>
             <a:pPr lvl="1"/>
             <a:r>
               <a:rPr lang="en-CA" dirty="0"/>
-              <a:t>Army damage &gt;= Fort Health, Army Health &gt; Fort damage</a:t>
-            </a:r>
+              <a:t>..count the ways to partition a set of n objects into k nonempty subsets..</a:t>
+            </a:r>
+          </a:p>
+          <a:p>
+            <a:pPr lvl="1"/>
+            <a:endParaRPr lang="en-CA" dirty="0"/>
+          </a:p>
+          <a:p>
+            <a:endParaRPr lang="en-CA" dirty="0"/>
           </a:p>
           <a:p>
             <a:r>
               <a:rPr lang="en-CA" dirty="0"/>
-              <a:t>Transition must be beneficial</a:t>
+              <a:t>Bell Numbers</a:t>
             </a:r>
           </a:p>
           <a:p>
             <a:pPr lvl="1"/>
             <a:r>
-              <a:rPr lang="en-CA" dirty="0" err="1"/>
-              <a:t>Eval</a:t>
-            </a:r>
-            <a:r>
               <a:rPr lang="en-CA" dirty="0"/>
-              <a:t>(State</a:t>
-            </a:r>
-            <a:r>
-              <a:rPr lang="en-CA" baseline="-25000" dirty="0"/>
-              <a:t> </a:t>
-            </a:r>
-            <a:r>
-              <a:rPr lang="en-CA" baseline="-25000" dirty="0" err="1"/>
-              <a:t>i</a:t>
-            </a:r>
-            <a:r>
-              <a:rPr lang="en-CA" baseline="-25000" dirty="0"/>
-              <a:t> </a:t>
-            </a:r>
+              <a:t>..the sum over the values for k of the Stirling numbers of the second kind..</a:t>
+            </a:r>
+          </a:p>
+          <a:p>
+            <a:pPr lvl="1"/>
             <a:r>
               <a:rPr lang="en-CA" dirty="0"/>
-              <a:t> ) &gt; </a:t>
-            </a:r>
-            <a:r>
-              <a:rPr lang="en-CA" dirty="0" err="1"/>
-              <a:t>Eval</a:t>
-            </a:r>
-            <a:r>
-              <a:rPr lang="en-CA" dirty="0"/>
-              <a:t>(State</a:t>
-            </a:r>
-            <a:r>
-              <a:rPr lang="en-CA" baseline="-25000" dirty="0"/>
-              <a:t> i+1</a:t>
-            </a:r>
-            <a:r>
-              <a:rPr lang="en-CA" dirty="0"/>
-              <a:t>) </a:t>
+              <a:t>1 sub army + 2 sub armies + n sub armies… </a:t>
+            </a:r>
+          </a:p>
+          <a:p>
+            <a:pPr lvl="2"/>
+            <a:endParaRPr lang="en-CA" dirty="0"/>
+          </a:p>
+        </p:txBody>
+      </p:sp>
+      <p:sp>
+        <p:nvSpPr>
+          <p:cNvPr id="7" name="AutoShape 5" descr="{\displaystyle n\geq 1,\left\{{n \atop 1}\right\}=1}">
+            <a:extLst>
+              <a:ext uri="{FF2B5EF4-FFF2-40B4-BE49-F238E27FC236}">
+                <a16:creationId xmlns:a16="http://schemas.microsoft.com/office/drawing/2014/main" id="{2DB60B18-2602-4CE5-BE4E-5A9FA58E947B}"/>
+              </a:ext>
+            </a:extLst>
+          </p:cNvPr>
+          <p:cNvSpPr>
+            <a:spLocks noChangeAspect="1" noChangeArrowheads="1"/>
+          </p:cNvSpPr>
+          <p:nvPr/>
+        </p:nvSpPr>
+        <p:spPr bwMode="auto">
+          <a:xfrm>
+            <a:off x="5943600" y="3276600"/>
+            <a:ext cx="304800" cy="304800"/>
+          </a:xfrm>
+          <a:prstGeom prst="rect">
+            <a:avLst/>
+          </a:prstGeom>
+          <a:noFill/>
+          <a:extLst>
+            <a:ext uri="{909E8E84-426E-40DD-AFC4-6F175D3DCCD1}">
+              <a14:hiddenFill xmlns:a14="http://schemas.microsoft.com/office/drawing/2010/main">
+                <a:solidFill>
+                  <a:srgbClr val="FFFFFF"/>
+                </a:solidFill>
+              </a14:hiddenFill>
+            </a:ext>
+          </a:extLst>
+        </p:spPr>
+        <p:txBody>
+          <a:bodyPr vert="horz" wrap="square" lIns="91440" tIns="45720" rIns="91440" bIns="45720" numCol="1" anchor="t" anchorCtr="0" compatLnSpc="1">
+            <a:prstTxWarp prst="textNoShape">
+              <a:avLst/>
+            </a:prstTxWarp>
+          </a:bodyPr>
+          <a:lstStyle/>
+          <a:p>
+            <a:endParaRPr lang="en-CA"/>
+          </a:p>
+        </p:txBody>
+      </p:sp>
+      <p:sp>
+        <p:nvSpPr>
+          <p:cNvPr id="8" name="AutoShape 7" descr="{\displaystyle n\geq 1,\left\{{n \atop 1}\right\}=1}">
+            <a:extLst>
+              <a:ext uri="{FF2B5EF4-FFF2-40B4-BE49-F238E27FC236}">
+                <a16:creationId xmlns:a16="http://schemas.microsoft.com/office/drawing/2014/main" id="{69F79FD6-F914-4BF6-BC32-4F95B2F77B32}"/>
+              </a:ext>
+            </a:extLst>
+          </p:cNvPr>
+          <p:cNvSpPr>
+            <a:spLocks noChangeAspect="1" noChangeArrowheads="1"/>
+          </p:cNvSpPr>
+          <p:nvPr/>
+        </p:nvSpPr>
+        <p:spPr bwMode="auto">
+          <a:xfrm>
+            <a:off x="6096000" y="3429000"/>
+            <a:ext cx="304800" cy="304800"/>
+          </a:xfrm>
+          <a:prstGeom prst="rect">
+            <a:avLst/>
+          </a:prstGeom>
+          <a:noFill/>
+          <a:extLst>
+            <a:ext uri="{909E8E84-426E-40DD-AFC4-6F175D3DCCD1}">
+              <a14:hiddenFill xmlns:a14="http://schemas.microsoft.com/office/drawing/2010/main">
+                <a:solidFill>
+                  <a:srgbClr val="FFFFFF"/>
+                </a:solidFill>
+              </a14:hiddenFill>
+            </a:ext>
+          </a:extLst>
+        </p:spPr>
+        <p:txBody>
+          <a:bodyPr vert="horz" wrap="square" lIns="91440" tIns="45720" rIns="91440" bIns="45720" numCol="1" anchor="t" anchorCtr="0" compatLnSpc="1">
+            <a:prstTxWarp prst="textNoShape">
+              <a:avLst/>
+            </a:prstTxWarp>
+          </a:bodyPr>
+          <a:lstStyle/>
+          <a:p>
+            <a:endParaRPr lang="en-CA"/>
+          </a:p>
+        </p:txBody>
+      </p:sp>
+      <p:pic>
+        <p:nvPicPr>
+          <p:cNvPr id="12" name="Picture 11" descr="A close up of a logo&#10;&#10;Description generated with very high confidence">
+            <a:extLst>
+              <a:ext uri="{FF2B5EF4-FFF2-40B4-BE49-F238E27FC236}">
+                <a16:creationId xmlns:a16="http://schemas.microsoft.com/office/drawing/2014/main" id="{E14DE600-0CC9-434E-984D-E8D96B649402}"/>
+              </a:ext>
+            </a:extLst>
+          </p:cNvPr>
+          <p:cNvPicPr>
+            <a:picLocks noChangeAspect="1"/>
+          </p:cNvPicPr>
+          <p:nvPr/>
+        </p:nvPicPr>
+        <p:blipFill>
+          <a:blip r:embed="rId2">
+            <a:extLst>
+              <a:ext uri="{28A0092B-C50C-407E-A947-70E740481C1C}">
+                <a14:useLocalDpi xmlns:a14="http://schemas.microsoft.com/office/drawing/2010/main" val="0"/>
+              </a:ext>
+            </a:extLst>
+          </a:blip>
+          <a:stretch>
+            <a:fillRect/>
+          </a:stretch>
+        </p:blipFill>
+        <p:spPr>
+          <a:xfrm>
+            <a:off x="1554717" y="3290847"/>
+            <a:ext cx="3519967" cy="581106"/>
+          </a:xfrm>
+          <a:prstGeom prst="rect">
+            <a:avLst/>
+          </a:prstGeom>
+        </p:spPr>
+      </p:pic>
+      <p:pic>
+        <p:nvPicPr>
+          <p:cNvPr id="14" name="Picture 13">
+            <a:extLst>
+              <a:ext uri="{FF2B5EF4-FFF2-40B4-BE49-F238E27FC236}">
+                <a16:creationId xmlns:a16="http://schemas.microsoft.com/office/drawing/2014/main" id="{D9EE2CB8-0B37-4DBC-B86A-6A92D82DC0EC}"/>
+              </a:ext>
+            </a:extLst>
+          </p:cNvPr>
+          <p:cNvPicPr>
+            <a:picLocks noChangeAspect="1"/>
+          </p:cNvPicPr>
+          <p:nvPr/>
+        </p:nvPicPr>
+        <p:blipFill>
+          <a:blip r:embed="rId3">
+            <a:extLst>
+              <a:ext uri="{28A0092B-C50C-407E-A947-70E740481C1C}">
+                <a14:useLocalDpi xmlns:a14="http://schemas.microsoft.com/office/drawing/2010/main" val="0"/>
+              </a:ext>
+            </a:extLst>
+          </a:blip>
+          <a:stretch>
+            <a:fillRect/>
+          </a:stretch>
+        </p:blipFill>
+        <p:spPr>
+          <a:xfrm>
+            <a:off x="1554717" y="5101086"/>
+            <a:ext cx="3343100" cy="1007165"/>
+          </a:xfrm>
+          <a:prstGeom prst="rect">
+            <a:avLst/>
+          </a:prstGeom>
+        </p:spPr>
+      </p:pic>
+      <p:sp>
+        <p:nvSpPr>
+          <p:cNvPr id="15" name="TextBox 14">
+            <a:extLst>
+              <a:ext uri="{FF2B5EF4-FFF2-40B4-BE49-F238E27FC236}">
+                <a16:creationId xmlns:a16="http://schemas.microsoft.com/office/drawing/2014/main" id="{2FF94B47-F572-4446-AF70-3B0D2D782D99}"/>
+              </a:ext>
+            </a:extLst>
+          </p:cNvPr>
+          <p:cNvSpPr txBox="1"/>
+          <p:nvPr/>
+        </p:nvSpPr>
+        <p:spPr>
+          <a:xfrm>
+            <a:off x="5074684" y="5271685"/>
+            <a:ext cx="3689488" cy="584775"/>
+          </a:xfrm>
+          <a:prstGeom prst="rect">
+            <a:avLst/>
+          </a:prstGeom>
+          <a:noFill/>
+        </p:spPr>
+        <p:txBody>
+          <a:bodyPr wrap="square" rtlCol="0">
+            <a:spAutoFit/>
+          </a:bodyPr>
+          <a:lstStyle/>
+          <a:p>
+            <a:r>
+              <a:rPr lang="en-CA" sz="3200" dirty="0">
+                <a:solidFill>
+                  <a:srgbClr val="FF0000"/>
+                </a:solidFill>
+              </a:rPr>
+              <a:t>Sum of Exponentials</a:t>
+            </a:r>
+          </a:p>
+        </p:txBody>
+      </p:sp>
+      <p:sp>
+        <p:nvSpPr>
+          <p:cNvPr id="16" name="TextBox 15">
+            <a:extLst>
+              <a:ext uri="{FF2B5EF4-FFF2-40B4-BE49-F238E27FC236}">
+                <a16:creationId xmlns:a16="http://schemas.microsoft.com/office/drawing/2014/main" id="{55211F64-95F2-4642-BD2B-96EA937912BB}"/>
+              </a:ext>
+            </a:extLst>
+          </p:cNvPr>
+          <p:cNvSpPr txBox="1"/>
+          <p:nvPr/>
+        </p:nvSpPr>
+        <p:spPr>
+          <a:xfrm>
+            <a:off x="5074684" y="3246582"/>
+            <a:ext cx="2570922" cy="584775"/>
+          </a:xfrm>
+          <a:prstGeom prst="rect">
+            <a:avLst/>
+          </a:prstGeom>
+          <a:noFill/>
+        </p:spPr>
+        <p:txBody>
+          <a:bodyPr wrap="square" rtlCol="0">
+            <a:spAutoFit/>
+          </a:bodyPr>
+          <a:lstStyle/>
+          <a:p>
+            <a:r>
+              <a:rPr lang="en-CA" sz="3200" dirty="0">
+                <a:solidFill>
+                  <a:srgbClr val="FF0000"/>
+                </a:solidFill>
+              </a:rPr>
+              <a:t>Exponential!</a:t>
             </a:r>
           </a:p>
         </p:txBody>
@@ -6871,7 +6923,7 @@
     </p:spTree>
     <p:extLst>
       <p:ext uri="{BB962C8B-B14F-4D97-AF65-F5344CB8AC3E}">
-        <p14:creationId xmlns:p14="http://schemas.microsoft.com/office/powerpoint/2010/main" val="805828418"/>
+        <p14:creationId xmlns:p14="http://schemas.microsoft.com/office/powerpoint/2010/main" val="3901809169"/>
       </p:ext>
     </p:extLst>
   </p:cSld>
@@ -6903,7 +6955,7 @@
           <p:cNvPr id="2" name="Title 1">
             <a:extLst>
               <a:ext uri="{FF2B5EF4-FFF2-40B4-BE49-F238E27FC236}">
-                <a16:creationId xmlns:a16="http://schemas.microsoft.com/office/drawing/2014/main" id="{835A6469-1DBF-41F3-977A-5FDCF8CB04D4}"/>
+                <a16:creationId xmlns:a16="http://schemas.microsoft.com/office/drawing/2014/main" id="{F41A5D5C-F768-473B-8705-D209C2F11C33}"/>
               </a:ext>
             </a:extLst>
           </p:cNvPr>
@@ -6921,7 +6973,7 @@
           <a:p>
             <a:r>
               <a:rPr lang="en-CA" dirty="0"/>
-              <a:t>Results of Optimizations</a:t>
+              <a:t>Optimizations Necessary! </a:t>
             </a:r>
           </a:p>
         </p:txBody>
@@ -6931,7 +6983,7 @@
           <p:cNvPr id="3" name="Content Placeholder 2">
             <a:extLst>
               <a:ext uri="{FF2B5EF4-FFF2-40B4-BE49-F238E27FC236}">
-                <a16:creationId xmlns:a16="http://schemas.microsoft.com/office/drawing/2014/main" id="{D4DF56F5-248C-4A60-8B9F-556E73C361FB}"/>
+                <a16:creationId xmlns:a16="http://schemas.microsoft.com/office/drawing/2014/main" id="{62175A26-9F0C-4D52-9440-5D7759A92116}"/>
               </a:ext>
             </a:extLst>
           </p:cNvPr>
@@ -6942,97 +6994,91 @@
             <p:ph idx="1"/>
           </p:nvPr>
         </p:nvSpPr>
-        <p:spPr>
-          <a:xfrm>
-            <a:off x="838200" y="1825625"/>
-            <a:ext cx="2898913" cy="4351338"/>
-          </a:xfrm>
-        </p:spPr>
-        <p:txBody>
-          <a:bodyPr>
-            <a:normAutofit/>
-          </a:bodyPr>
+        <p:spPr/>
+        <p:txBody>
+          <a:bodyPr/>
           <a:lstStyle/>
           <a:p>
             <a:r>
               <a:rPr lang="en-CA" dirty="0"/>
-              <a:t>2 Archers </a:t>
-            </a:r>
-            <a:br>
+              <a:t>Caching unit combinations</a:t>
+            </a:r>
+          </a:p>
+          <a:p>
+            <a:pPr lvl="1"/>
+            <a:r>
               <a:rPr lang="en-CA" dirty="0"/>
-            </a:br>
+              <a:t>Similarity function for sub armies</a:t>
+            </a:r>
+          </a:p>
+          <a:p>
             <a:r>
               <a:rPr lang="en-CA" dirty="0"/>
-              <a:t>1 Healer </a:t>
-            </a:r>
-            <a:br>
+              <a:t>Sub army must succeed</a:t>
+            </a:r>
+          </a:p>
+          <a:p>
+            <a:pPr lvl="1"/>
+            <a:r>
               <a:rPr lang="en-CA" dirty="0"/>
-            </a:br>
+              <a:t>Army damage &gt;= Fort Health, Army Health &gt; Fort damage</a:t>
+            </a:r>
+          </a:p>
+          <a:p>
             <a:r>
               <a:rPr lang="en-CA" dirty="0"/>
-              <a:t>2 Soldiers</a:t>
-            </a:r>
-          </a:p>
-          <a:p>
+              <a:t>Transition must be beneficial</a:t>
+            </a:r>
+          </a:p>
+          <a:p>
+            <a:pPr lvl="1"/>
+            <a:r>
+              <a:rPr lang="en-CA" dirty="0" err="1"/>
+              <a:t>Eval</a:t>
+            </a:r>
             <a:r>
               <a:rPr lang="en-CA" dirty="0"/>
-              <a:t>All forts can be attacked</a:t>
-            </a:r>
-          </a:p>
-          <a:p>
+              <a:t>(State</a:t>
+            </a:r>
+            <a:r>
+              <a:rPr lang="en-CA" baseline="-25000" dirty="0"/>
+              <a:t> </a:t>
+            </a:r>
+            <a:r>
+              <a:rPr lang="en-CA" baseline="-25000" dirty="0" err="1"/>
+              <a:t>i</a:t>
+            </a:r>
+            <a:r>
+              <a:rPr lang="en-CA" baseline="-25000" dirty="0"/>
+              <a:t> </a:t>
+            </a:r>
             <a:r>
               <a:rPr lang="en-CA" dirty="0"/>
-              <a:t>Result:</a:t>
-            </a:r>
-          </a:p>
-          <a:p>
-            <a:pPr lvl="1"/>
+              <a:t> ) &gt; </a:t>
+            </a:r>
+            <a:r>
+              <a:rPr lang="en-CA" dirty="0" err="1"/>
+              <a:t>Eval</a:t>
+            </a:r>
             <a:r>
               <a:rPr lang="en-CA" dirty="0"/>
-              <a:t>Better!</a:t>
-            </a:r>
-          </a:p>
-          <a:p>
-            <a:pPr lvl="1"/>
+              <a:t>(State</a:t>
+            </a:r>
+            <a:r>
+              <a:rPr lang="en-CA" baseline="-25000" dirty="0"/>
+              <a:t> i+1</a:t>
+            </a:r>
             <a:r>
               <a:rPr lang="en-CA" dirty="0"/>
-              <a:t>Still exponential</a:t>
-            </a:r>
-          </a:p>
-        </p:txBody>
-      </p:sp>
-      <p:graphicFrame>
-        <p:nvGraphicFramePr>
-          <p:cNvPr id="7" name="Chart 6">
-            <a:extLst>
-              <a:ext uri="{FF2B5EF4-FFF2-40B4-BE49-F238E27FC236}">
-                <a16:creationId xmlns:a16="http://schemas.microsoft.com/office/drawing/2014/main" id="{F3A7655F-3C07-42CF-B34B-0BD1C759DDAA}"/>
-              </a:ext>
-            </a:extLst>
-          </p:cNvPr>
-          <p:cNvGraphicFramePr/>
-          <p:nvPr>
-            <p:extLst>
-              <p:ext uri="{D42A27DB-BD31-4B8C-83A1-F6EECF244321}">
-                <p14:modId xmlns:p14="http://schemas.microsoft.com/office/powerpoint/2010/main" val="4153361280"/>
-              </p:ext>
-            </p:extLst>
-          </p:nvPr>
-        </p:nvGraphicFramePr>
-        <p:xfrm>
-          <a:off x="3737113" y="1291960"/>
-          <a:ext cx="8216348" cy="5418667"/>
-        </p:xfrm>
-        <a:graphic>
-          <a:graphicData uri="http://schemas.openxmlformats.org/drawingml/2006/chart">
-            <c:chart xmlns:c="http://schemas.openxmlformats.org/drawingml/2006/chart" xmlns:r="http://schemas.openxmlformats.org/officeDocument/2006/relationships" r:id="rId2"/>
-          </a:graphicData>
-        </a:graphic>
-      </p:graphicFrame>
+              <a:t>) </a:t>
+            </a:r>
+          </a:p>
+        </p:txBody>
+      </p:sp>
     </p:spTree>
     <p:extLst>
       <p:ext uri="{BB962C8B-B14F-4D97-AF65-F5344CB8AC3E}">
-        <p14:creationId xmlns:p14="http://schemas.microsoft.com/office/powerpoint/2010/main" val="620234149"/>
+        <p14:creationId xmlns:p14="http://schemas.microsoft.com/office/powerpoint/2010/main" val="805828418"/>
       </p:ext>
     </p:extLst>
   </p:cSld>
@@ -7466,7 +7512,7 @@
           <a:p>
             <a:r>
               <a:rPr lang="en-CA" dirty="0"/>
-              <a:t>What is an RTS/Turn based strategy</a:t>
+              <a:t>What are RTS/Turn Based Strategy Games?</a:t>
             </a:r>
           </a:p>
         </p:txBody>
@@ -7579,7 +7625,7 @@
           <p:cNvPr id="2" name="Title 1">
             <a:extLst>
               <a:ext uri="{FF2B5EF4-FFF2-40B4-BE49-F238E27FC236}">
-                <a16:creationId xmlns:a16="http://schemas.microsoft.com/office/drawing/2014/main" id="{A9354E72-F7F9-4476-A390-EFAA7F931AC2}"/>
+                <a16:creationId xmlns:a16="http://schemas.microsoft.com/office/drawing/2014/main" id="{835A6469-1DBF-41F3-977A-5FDCF8CB04D4}"/>
               </a:ext>
             </a:extLst>
           </p:cNvPr>
@@ -7597,7 +7643,7 @@
           <a:p>
             <a:r>
               <a:rPr lang="en-CA" dirty="0"/>
-              <a:t>Extensions to this project	</a:t>
+              <a:t>Results of Optimizations</a:t>
             </a:r>
           </a:p>
         </p:txBody>
@@ -7607,7 +7653,7 @@
           <p:cNvPr id="3" name="Content Placeholder 2">
             <a:extLst>
               <a:ext uri="{FF2B5EF4-FFF2-40B4-BE49-F238E27FC236}">
-                <a16:creationId xmlns:a16="http://schemas.microsoft.com/office/drawing/2014/main" id="{ABC6B99A-D173-42C3-8548-9642CCA03F30}"/>
+                <a16:creationId xmlns:a16="http://schemas.microsoft.com/office/drawing/2014/main" id="{D4DF56F5-248C-4A60-8B9F-556E73C361FB}"/>
               </a:ext>
             </a:extLst>
           </p:cNvPr>
@@ -7618,83 +7664,97 @@
             <p:ph idx="1"/>
           </p:nvPr>
         </p:nvSpPr>
-        <p:spPr/>
+        <p:spPr>
+          <a:xfrm>
+            <a:off x="838200" y="1825625"/>
+            <a:ext cx="2898913" cy="4351338"/>
+          </a:xfrm>
+        </p:spPr>
         <p:txBody>
           <a:bodyPr>
-            <a:normAutofit lnSpcReduction="10000"/>
+            <a:normAutofit/>
           </a:bodyPr>
           <a:lstStyle/>
           <a:p>
             <a:r>
               <a:rPr lang="en-CA" dirty="0"/>
-              <a:t>Invading army can receive reinforcements</a:t>
-            </a:r>
-          </a:p>
-          <a:p>
-            <a:r>
+              <a:t>2 Archers </a:t>
+            </a:r>
+            <a:br>
               <a:rPr lang="en-CA" dirty="0"/>
-              <a:t>Logical fort upgrades from position in Nation</a:t>
-            </a:r>
-          </a:p>
-          <a:p>
+            </a:br>
             <a:r>
               <a:rPr lang="en-CA" dirty="0"/>
-              <a:t>Directional fortifications on forts. </a:t>
+              <a:t>1 Healer </a:t>
+            </a:r>
+            <a:br>
+              <a:rPr lang="en-CA" dirty="0"/>
+            </a:br>
+            <a:r>
+              <a:rPr lang="en-CA" dirty="0"/>
+              <a:t>2 Soldiers</a:t>
+            </a:r>
+          </a:p>
+          <a:p>
+            <a:r>
+              <a:rPr lang="en-CA" dirty="0"/>
+              <a:t>All forts can be attacked</a:t>
+            </a:r>
+          </a:p>
+          <a:p>
+            <a:r>
+              <a:rPr lang="en-CA" dirty="0"/>
+              <a:t>Result:</a:t>
             </a:r>
           </a:p>
           <a:p>
             <a:pPr lvl="1"/>
             <a:r>
               <a:rPr lang="en-CA" dirty="0"/>
-              <a:t>Paths opened up after other forts are taken</a:t>
-            </a:r>
-          </a:p>
-          <a:p>
+              <a:t>Better!</a:t>
+            </a:r>
+          </a:p>
+          <a:p>
+            <a:pPr lvl="1"/>
             <a:r>
               <a:rPr lang="en-CA" dirty="0"/>
-              <a:t>Unit bonuses against particular fortifications</a:t>
-            </a:r>
-          </a:p>
-          <a:p>
-            <a:pPr lvl="1"/>
-            <a:r>
-              <a:rPr lang="en-CA" dirty="0"/>
-              <a:t>Siege against walls</a:t>
-            </a:r>
-          </a:p>
-          <a:p>
-            <a:r>
-              <a:rPr lang="en-CA" dirty="0"/>
-              <a:t>Better Similarity functions</a:t>
-            </a:r>
-          </a:p>
-          <a:p>
-            <a:pPr lvl="1"/>
-            <a:r>
-              <a:rPr lang="en-CA" dirty="0"/>
-              <a:t>unit group abstractions</a:t>
-            </a:r>
-          </a:p>
-          <a:p>
-            <a:r>
-              <a:rPr lang="en-CA" dirty="0"/>
-              <a:t>Multi threading: Can this occur in the background of a game AI similar to what is done in </a:t>
-            </a:r>
-            <a:r>
-              <a:rPr lang="en-CA" dirty="0" err="1"/>
-              <a:t>Starcraft</a:t>
-            </a:r>
-            <a:r>
-              <a:rPr lang="en-CA" dirty="0"/>
-              <a:t> model?</a:t>
-            </a:r>
-          </a:p>
-        </p:txBody>
-      </p:sp>
+              <a:t>Still exponential</a:t>
+            </a:r>
+          </a:p>
+        </p:txBody>
+      </p:sp>
+      <p:graphicFrame>
+        <p:nvGraphicFramePr>
+          <p:cNvPr id="7" name="Chart 6">
+            <a:extLst>
+              <a:ext uri="{FF2B5EF4-FFF2-40B4-BE49-F238E27FC236}">
+                <a16:creationId xmlns:a16="http://schemas.microsoft.com/office/drawing/2014/main" id="{F3A7655F-3C07-42CF-B34B-0BD1C759DDAA}"/>
+              </a:ext>
+            </a:extLst>
+          </p:cNvPr>
+          <p:cNvGraphicFramePr/>
+          <p:nvPr>
+            <p:extLst>
+              <p:ext uri="{D42A27DB-BD31-4B8C-83A1-F6EECF244321}">
+                <p14:modId xmlns:p14="http://schemas.microsoft.com/office/powerpoint/2010/main" val="4153361280"/>
+              </p:ext>
+            </p:extLst>
+          </p:nvPr>
+        </p:nvGraphicFramePr>
+        <p:xfrm>
+          <a:off x="3737113" y="1291960"/>
+          <a:ext cx="8216348" cy="5418667"/>
+        </p:xfrm>
+        <a:graphic>
+          <a:graphicData uri="http://schemas.openxmlformats.org/drawingml/2006/chart">
+            <c:chart xmlns:c="http://schemas.openxmlformats.org/drawingml/2006/chart" xmlns:r="http://schemas.openxmlformats.org/officeDocument/2006/relationships" r:id="rId2"/>
+          </a:graphicData>
+        </a:graphic>
+      </p:graphicFrame>
     </p:spTree>
     <p:extLst>
       <p:ext uri="{BB962C8B-B14F-4D97-AF65-F5344CB8AC3E}">
-        <p14:creationId xmlns:p14="http://schemas.microsoft.com/office/powerpoint/2010/main" val="3925225970"/>
+        <p14:creationId xmlns:p14="http://schemas.microsoft.com/office/powerpoint/2010/main" val="620234149"/>
       </p:ext>
     </p:extLst>
   </p:cSld>
@@ -7726,6 +7786,153 @@
           <p:cNvPr id="2" name="Title 1">
             <a:extLst>
               <a:ext uri="{FF2B5EF4-FFF2-40B4-BE49-F238E27FC236}">
+                <a16:creationId xmlns:a16="http://schemas.microsoft.com/office/drawing/2014/main" id="{A9354E72-F7F9-4476-A390-EFAA7F931AC2}"/>
+              </a:ext>
+            </a:extLst>
+          </p:cNvPr>
+          <p:cNvSpPr>
+            <a:spLocks noGrp="1"/>
+          </p:cNvSpPr>
+          <p:nvPr>
+            <p:ph type="title"/>
+          </p:nvPr>
+        </p:nvSpPr>
+        <p:spPr/>
+        <p:txBody>
+          <a:bodyPr/>
+          <a:lstStyle/>
+          <a:p>
+            <a:r>
+              <a:rPr lang="en-CA" dirty="0"/>
+              <a:t>Extensions to this project	</a:t>
+            </a:r>
+          </a:p>
+        </p:txBody>
+      </p:sp>
+      <p:sp>
+        <p:nvSpPr>
+          <p:cNvPr id="3" name="Content Placeholder 2">
+            <a:extLst>
+              <a:ext uri="{FF2B5EF4-FFF2-40B4-BE49-F238E27FC236}">
+                <a16:creationId xmlns:a16="http://schemas.microsoft.com/office/drawing/2014/main" id="{ABC6B99A-D173-42C3-8548-9642CCA03F30}"/>
+              </a:ext>
+            </a:extLst>
+          </p:cNvPr>
+          <p:cNvSpPr>
+            <a:spLocks noGrp="1"/>
+          </p:cNvSpPr>
+          <p:nvPr>
+            <p:ph idx="1"/>
+          </p:nvPr>
+        </p:nvSpPr>
+        <p:spPr/>
+        <p:txBody>
+          <a:bodyPr>
+            <a:normAutofit lnSpcReduction="10000"/>
+          </a:bodyPr>
+          <a:lstStyle/>
+          <a:p>
+            <a:r>
+              <a:rPr lang="en-CA" dirty="0"/>
+              <a:t>Invading army can receive reinforcements</a:t>
+            </a:r>
+          </a:p>
+          <a:p>
+            <a:r>
+              <a:rPr lang="en-CA" dirty="0"/>
+              <a:t>Logical fort upgrades from position in Nation</a:t>
+            </a:r>
+          </a:p>
+          <a:p>
+            <a:r>
+              <a:rPr lang="en-CA" dirty="0"/>
+              <a:t>Directional fortifications on forts. </a:t>
+            </a:r>
+          </a:p>
+          <a:p>
+            <a:pPr lvl="1"/>
+            <a:r>
+              <a:rPr lang="en-CA" dirty="0"/>
+              <a:t>Paths opened up after other forts are taken</a:t>
+            </a:r>
+          </a:p>
+          <a:p>
+            <a:r>
+              <a:rPr lang="en-CA" dirty="0"/>
+              <a:t>Unit bonuses against particular fortifications</a:t>
+            </a:r>
+          </a:p>
+          <a:p>
+            <a:pPr lvl="1"/>
+            <a:r>
+              <a:rPr lang="en-CA" dirty="0"/>
+              <a:t>Siege against walls</a:t>
+            </a:r>
+          </a:p>
+          <a:p>
+            <a:r>
+              <a:rPr lang="en-CA" dirty="0"/>
+              <a:t>Better Similarity functions</a:t>
+            </a:r>
+          </a:p>
+          <a:p>
+            <a:pPr lvl="1"/>
+            <a:r>
+              <a:rPr lang="en-CA" dirty="0"/>
+              <a:t>unit group abstractions</a:t>
+            </a:r>
+          </a:p>
+          <a:p>
+            <a:r>
+              <a:rPr lang="en-CA" dirty="0"/>
+              <a:t>Multi threading: Can this occur in the background of a game AI similar to what is done in </a:t>
+            </a:r>
+            <a:r>
+              <a:rPr lang="en-CA" dirty="0" err="1"/>
+              <a:t>Starcraft</a:t>
+            </a:r>
+            <a:r>
+              <a:rPr lang="en-CA" dirty="0"/>
+              <a:t> model?</a:t>
+            </a:r>
+          </a:p>
+        </p:txBody>
+      </p:sp>
+    </p:spTree>
+    <p:extLst>
+      <p:ext uri="{BB962C8B-B14F-4D97-AF65-F5344CB8AC3E}">
+        <p14:creationId xmlns:p14="http://schemas.microsoft.com/office/powerpoint/2010/main" val="3925225970"/>
+      </p:ext>
+    </p:extLst>
+  </p:cSld>
+  <p:clrMapOvr>
+    <a:masterClrMapping/>
+  </p:clrMapOvr>
+</p:sld>
+</file>
+
+<file path=ppt/slides/slide22.xml><?xml version="1.0" encoding="utf-8"?>
+<p:sld xmlns:a="http://schemas.openxmlformats.org/drawingml/2006/main" xmlns:r="http://schemas.openxmlformats.org/officeDocument/2006/relationships" xmlns:p="http://schemas.openxmlformats.org/presentationml/2006/main">
+  <p:cSld>
+    <p:spTree>
+      <p:nvGrpSpPr>
+        <p:cNvPr id="1" name=""/>
+        <p:cNvGrpSpPr/>
+        <p:nvPr/>
+      </p:nvGrpSpPr>
+      <p:grpSpPr>
+        <a:xfrm>
+          <a:off x="0" y="0"/>
+          <a:ext cx="0" cy="0"/>
+          <a:chOff x="0" y="0"/>
+          <a:chExt cx="0" cy="0"/>
+        </a:xfrm>
+      </p:grpSpPr>
+      <p:sp>
+        <p:nvSpPr>
+          <p:cNvPr id="2" name="Title 1">
+            <a:extLst>
+              <a:ext uri="{FF2B5EF4-FFF2-40B4-BE49-F238E27FC236}">
                 <a16:creationId xmlns:a16="http://schemas.microsoft.com/office/drawing/2014/main" id="{C2D0A1A5-F9B4-4A8D-9BE3-9D7EEC21BCF5}"/>
               </a:ext>
             </a:extLst>
@@ -7808,7 +8015,7 @@
 </p:sld>
 </file>
 
-<file path=ppt/slides/slide22.xml><?xml version="1.0" encoding="utf-8"?>
+<file path=ppt/slides/slide23.xml><?xml version="1.0" encoding="utf-8"?>
 <p:sld xmlns:a="http://schemas.openxmlformats.org/drawingml/2006/main" xmlns:r="http://schemas.openxmlformats.org/officeDocument/2006/relationships" xmlns:p="http://schemas.openxmlformats.org/presentationml/2006/main">
   <p:cSld>
     <p:spTree>
@@ -8098,13 +8305,26 @@
           <a:p>
             <a:pPr algn="ctr"/>
             <a:r>
-              <a:rPr lang="en-US" sz="5400">
+              <a:rPr lang="en-US" sz="5400" dirty="0">
                 <a:solidFill>
                   <a:schemeClr val="bg1"/>
                 </a:solidFill>
               </a:rPr>
-              <a:t>AI in Starcraft II</a:t>
-            </a:r>
+              <a:t>AI in </a:t>
+            </a:r>
+            <a:r>
+              <a:rPr lang="en-US" sz="5400" dirty="0" err="1">
+                <a:solidFill>
+                  <a:schemeClr val="bg1"/>
+                </a:solidFill>
+              </a:rPr>
+              <a:t>Starcraft</a:t>
+            </a:r>
+            <a:endParaRPr lang="en-US" sz="5400" dirty="0">
+              <a:solidFill>
+                <a:schemeClr val="bg1"/>
+              </a:solidFill>
+            </a:endParaRPr>
           </a:p>
         </p:txBody>
       </p:sp>
@@ -8350,7 +8570,7 @@
           <p:cNvPr id="2" name="Title 1">
             <a:extLst>
               <a:ext uri="{FF2B5EF4-FFF2-40B4-BE49-F238E27FC236}">
-                <a16:creationId xmlns:a16="http://schemas.microsoft.com/office/drawing/2014/main" id="{57B7CE7D-917F-40D5-9D78-CB14D4AC804D}"/>
+                <a16:creationId xmlns:a16="http://schemas.microsoft.com/office/drawing/2014/main" id="{B848E770-C655-498E-AFBF-3775CF58CAC4}"/>
               </a:ext>
             </a:extLst>
           </p:cNvPr>
@@ -8361,29 +8581,14 @@
             <p:ph type="title"/>
           </p:nvPr>
         </p:nvSpPr>
-        <p:spPr>
-          <a:xfrm>
-            <a:off x="728870" y="365125"/>
-            <a:ext cx="10624930" cy="1325563"/>
-          </a:xfrm>
-        </p:spPr>
-        <p:txBody>
-          <a:bodyPr>
-            <a:normAutofit/>
-          </a:bodyPr>
-          <a:lstStyle/>
-          <a:p>
-            <a:pPr algn="ctr"/>
-            <a:r>
-              <a:rPr lang="en-CA" sz="4000" dirty="0"/>
-              <a:t>Alternative Problem: </a:t>
-            </a:r>
-            <a:br>
-              <a:rPr lang="en-CA" sz="4000" dirty="0"/>
-            </a:br>
-            <a:r>
-              <a:rPr lang="en-CA" sz="4000" b="1" dirty="0"/>
-              <a:t>Package Delivery Problem With Timing Windows</a:t>
+        <p:spPr/>
+        <p:txBody>
+          <a:bodyPr/>
+          <a:lstStyle/>
+          <a:p>
+            <a:r>
+              <a:rPr lang="en-CA" dirty="0"/>
+              <a:t>Invasion Planning: Goal	</a:t>
             </a:r>
           </a:p>
         </p:txBody>
@@ -8393,7 +8598,7 @@
           <p:cNvPr id="3" name="Content Placeholder 2">
             <a:extLst>
               <a:ext uri="{FF2B5EF4-FFF2-40B4-BE49-F238E27FC236}">
-                <a16:creationId xmlns:a16="http://schemas.microsoft.com/office/drawing/2014/main" id="{5968830B-27D6-4CC2-81D0-9C59DF6D7598}"/>
+                <a16:creationId xmlns:a16="http://schemas.microsoft.com/office/drawing/2014/main" id="{459D3970-F055-4ADF-A107-AE5F8FF3871E}"/>
               </a:ext>
             </a:extLst>
           </p:cNvPr>
@@ -8406,40 +8611,51 @@
         </p:nvSpPr>
         <p:spPr/>
         <p:txBody>
-          <a:bodyPr>
-            <a:normAutofit/>
-          </a:bodyPr>
-          <a:lstStyle/>
-          <a:p>
-            <a:r>
-              <a:rPr lang="en-CA" sz="3600" dirty="0"/>
-              <a:t>N locations to delivery to</a:t>
-            </a:r>
-          </a:p>
-          <a:p>
-            <a:r>
-              <a:rPr lang="en-CA" sz="3600" dirty="0"/>
-              <a:t>Each location has an expected delivery time</a:t>
-            </a:r>
-          </a:p>
-          <a:p>
-            <a:r>
-              <a:rPr lang="en-CA" sz="3600" dirty="0"/>
-              <a:t>Not always possible to do with only one truck</a:t>
-            </a:r>
-          </a:p>
-          <a:p>
-            <a:r>
-              <a:rPr lang="en-CA" sz="3600" dirty="0"/>
-              <a:t>Split delivery between multiple trucks</a:t>
-            </a:r>
+          <a:bodyPr/>
+          <a:lstStyle/>
+          <a:p>
+            <a:r>
+              <a:rPr lang="en-CA" dirty="0"/>
+              <a:t>Sequential Invasions vs Parallel Invasions</a:t>
+            </a:r>
+          </a:p>
+          <a:p>
+            <a:pPr lvl="1"/>
+            <a:r>
+              <a:rPr lang="en-CA" dirty="0"/>
+              <a:t>Invasion Performance</a:t>
+            </a:r>
+          </a:p>
+          <a:p>
+            <a:pPr lvl="1"/>
+            <a:r>
+              <a:rPr lang="en-CA" dirty="0"/>
+              <a:t>Computation Difference</a:t>
+            </a:r>
+          </a:p>
+          <a:p>
+            <a:pPr lvl="1"/>
+            <a:r>
+              <a:rPr lang="en-CA" dirty="0"/>
+              <a:t>Emerging patterns </a:t>
+            </a:r>
+          </a:p>
+          <a:p>
+            <a:pPr lvl="1"/>
+            <a:r>
+              <a:rPr lang="en-CA" dirty="0"/>
+              <a:t>Develop a difficulty rating for Invasion scenarios</a:t>
+            </a:r>
+          </a:p>
+          <a:p>
+            <a:endParaRPr lang="en-CA" dirty="0"/>
           </a:p>
         </p:txBody>
       </p:sp>
     </p:spTree>
     <p:extLst>
       <p:ext uri="{BB962C8B-B14F-4D97-AF65-F5344CB8AC3E}">
-        <p14:creationId xmlns:p14="http://schemas.microsoft.com/office/powerpoint/2010/main" val="1143729606"/>
+        <p14:creationId xmlns:p14="http://schemas.microsoft.com/office/powerpoint/2010/main" val="3065117611"/>
       </p:ext>
     </p:extLst>
   </p:cSld>
@@ -8497,14 +8713,14 @@
             <a:pPr algn="ctr"/>
             <a:r>
               <a:rPr lang="en-CA" sz="4000" dirty="0"/>
-              <a:t>Package Delivery Problem With Timing Windows:</a:t>
+              <a:t>Alternative Problem: </a:t>
             </a:r>
             <a:br>
               <a:rPr lang="en-CA" sz="4000" dirty="0"/>
             </a:br>
             <a:r>
-              <a:rPr lang="en-CA" sz="4000" dirty="0"/>
-              <a:t>Massaged into Invasion Solver</a:t>
+              <a:rPr lang="en-CA" sz="4000" b="1" dirty="0"/>
+              <a:t>Package Delivery Problem With Timing Windows</a:t>
             </a:r>
           </a:p>
         </p:txBody>
@@ -8538,52 +8754,20 @@
             </a:r>
           </a:p>
           <a:p>
-            <a:pPr lvl="1"/>
-            <a:r>
-              <a:rPr lang="en-CA" sz="3600" dirty="0">
-                <a:solidFill>
-                  <a:srgbClr val="FF0000"/>
-                </a:solidFill>
-              </a:rPr>
-              <a:t>N Cities to capture</a:t>
-            </a:r>
-          </a:p>
-          <a:p>
-            <a:r>
-              <a:rPr lang="en-CA" sz="3600" dirty="0">
-                <a:solidFill>
-                  <a:schemeClr val="tx1">
-                    <a:lumMod val="50000"/>
-                    <a:lumOff val="50000"/>
-                  </a:schemeClr>
-                </a:solidFill>
-              </a:rPr>
+            <a:r>
+              <a:rPr lang="en-CA" sz="3600" dirty="0"/>
               <a:t>Each location has an expected delivery time</a:t>
             </a:r>
           </a:p>
           <a:p>
             <a:r>
-              <a:rPr lang="en-CA" sz="3600" dirty="0">
-                <a:solidFill>
-                  <a:schemeClr val="tx1">
-                    <a:lumMod val="50000"/>
-                    <a:lumOff val="50000"/>
-                  </a:schemeClr>
-                </a:solidFill>
-              </a:rPr>
+              <a:rPr lang="en-CA" sz="3600" dirty="0"/>
               <a:t>Not always possible to do with only one truck</a:t>
             </a:r>
           </a:p>
           <a:p>
             <a:r>
-              <a:rPr lang="en-CA" sz="3600" dirty="0">
-                <a:solidFill>
-                  <a:schemeClr val="tx1">
-                    <a:lumMod val="50000"/>
-                    <a:lumOff val="50000"/>
-                  </a:schemeClr>
-                </a:solidFill>
-              </a:rPr>
+              <a:rPr lang="en-CA" sz="3600" dirty="0"/>
               <a:t>Split delivery between multiple trucks</a:t>
             </a:r>
           </a:p>
@@ -8592,7 +8776,7 @@
     </p:spTree>
     <p:extLst>
       <p:ext uri="{BB962C8B-B14F-4D97-AF65-F5344CB8AC3E}">
-        <p14:creationId xmlns:p14="http://schemas.microsoft.com/office/powerpoint/2010/main" val="3998670121"/>
+        <p14:creationId xmlns:p14="http://schemas.microsoft.com/office/powerpoint/2010/main" val="1143729606"/>
       </p:ext>
     </p:extLst>
   </p:cSld>
@@ -8686,6 +8870,23 @@
           <a:lstStyle/>
           <a:p>
             <a:r>
+              <a:rPr lang="en-CA" sz="3600" dirty="0"/>
+              <a:t>N locations to delivery to</a:t>
+            </a:r>
+          </a:p>
+          <a:p>
+            <a:pPr lvl="1"/>
+            <a:r>
+              <a:rPr lang="en-CA" sz="3600" dirty="0">
+                <a:solidFill>
+                  <a:srgbClr val="FF0000"/>
+                </a:solidFill>
+              </a:rPr>
+              <a:t>N Cities to capture</a:t>
+            </a:r>
+          </a:p>
+          <a:p>
+            <a:r>
               <a:rPr lang="en-CA" sz="3600" dirty="0">
                 <a:solidFill>
                   <a:schemeClr val="tx1">
@@ -8694,24 +8895,7 @@
                   </a:schemeClr>
                 </a:solidFill>
               </a:rPr>
-              <a:t>N locations to delivery to</a:t>
-            </a:r>
-          </a:p>
-          <a:p>
-            <a:r>
-              <a:rPr lang="en-CA" sz="3600" dirty="0"/>
               <a:t>Each location has an expected delivery time</a:t>
-            </a:r>
-          </a:p>
-          <a:p>
-            <a:pPr lvl="1"/>
-            <a:r>
-              <a:rPr lang="en-CA" sz="3600" dirty="0">
-                <a:solidFill>
-                  <a:srgbClr val="FF0000"/>
-                </a:solidFill>
-              </a:rPr>
-              <a:t>Fortification is too strong to capture</a:t>
             </a:r>
           </a:p>
           <a:p>
@@ -8745,7 +8929,7 @@
     </p:spTree>
     <p:extLst>
       <p:ext uri="{BB962C8B-B14F-4D97-AF65-F5344CB8AC3E}">
-        <p14:creationId xmlns:p14="http://schemas.microsoft.com/office/powerpoint/2010/main" val="1016884365"/>
+        <p14:creationId xmlns:p14="http://schemas.microsoft.com/office/powerpoint/2010/main" val="3998670121"/>
       </p:ext>
     </p:extLst>
   </p:cSld>
@@ -8852,6 +9036,23 @@
           </a:p>
           <a:p>
             <a:r>
+              <a:rPr lang="en-CA" sz="3600" dirty="0"/>
+              <a:t>Each location has an expected delivery time</a:t>
+            </a:r>
+          </a:p>
+          <a:p>
+            <a:pPr lvl="1"/>
+            <a:r>
+              <a:rPr lang="en-CA" sz="3600" dirty="0">
+                <a:solidFill>
+                  <a:srgbClr val="FF0000"/>
+                </a:solidFill>
+              </a:rPr>
+              <a:t>Fortification is too strong to capture</a:t>
+            </a:r>
+          </a:p>
+          <a:p>
+            <a:r>
               <a:rPr lang="en-CA" sz="3600" dirty="0">
                 <a:solidFill>
                   <a:schemeClr val="tx1">
@@ -8860,24 +9061,7 @@
                   </a:schemeClr>
                 </a:solidFill>
               </a:rPr>
-              <a:t>Each location has an expected delivery time</a:t>
-            </a:r>
-          </a:p>
-          <a:p>
-            <a:r>
-              <a:rPr lang="en-CA" sz="3600" dirty="0"/>
               <a:t>Not always possible to do with only one truck</a:t>
-            </a:r>
-          </a:p>
-          <a:p>
-            <a:pPr lvl="1"/>
-            <a:r>
-              <a:rPr lang="en-CA" sz="3600" dirty="0">
-                <a:solidFill>
-                  <a:srgbClr val="FF0000"/>
-                </a:solidFill>
-              </a:rPr>
-              <a:t>N locations means &gt;N time steps to capture last fort</a:t>
             </a:r>
           </a:p>
           <a:p>
@@ -8898,7 +9082,7 @@
     </p:spTree>
     <p:extLst>
       <p:ext uri="{BB962C8B-B14F-4D97-AF65-F5344CB8AC3E}">
-        <p14:creationId xmlns:p14="http://schemas.microsoft.com/office/powerpoint/2010/main" val="4149250816"/>
+        <p14:creationId xmlns:p14="http://schemas.microsoft.com/office/powerpoint/2010/main" val="1016884365"/>
       </p:ext>
     </p:extLst>
   </p:cSld>
@@ -9018,6 +9202,23 @@
           </a:p>
           <a:p>
             <a:r>
+              <a:rPr lang="en-CA" sz="3600" dirty="0"/>
+              <a:t>Not always possible to do with only one truck</a:t>
+            </a:r>
+          </a:p>
+          <a:p>
+            <a:pPr lvl="1"/>
+            <a:r>
+              <a:rPr lang="en-CA" sz="3600" dirty="0">
+                <a:solidFill>
+                  <a:srgbClr val="FF0000"/>
+                </a:solidFill>
+              </a:rPr>
+              <a:t>N locations means &gt;N time steps to capture last fort</a:t>
+            </a:r>
+          </a:p>
+          <a:p>
+            <a:r>
               <a:rPr lang="en-CA" sz="3600" dirty="0">
                 <a:solidFill>
                   <a:schemeClr val="tx1">
@@ -9026,24 +9227,7 @@
                   </a:schemeClr>
                 </a:solidFill>
               </a:rPr>
-              <a:t>Not always possible to do with only one truck</a:t>
-            </a:r>
-          </a:p>
-          <a:p>
-            <a:r>
-              <a:rPr lang="en-CA" sz="3600" dirty="0"/>
               <a:t>Split delivery between multiple trucks</a:t>
-            </a:r>
-          </a:p>
-          <a:p>
-            <a:pPr lvl="1"/>
-            <a:r>
-              <a:rPr lang="en-CA" sz="3600" dirty="0">
-                <a:solidFill>
-                  <a:srgbClr val="FF0000"/>
-                </a:solidFill>
-              </a:rPr>
-              <a:t>Split the invading army into sub armies</a:t>
             </a:r>
           </a:p>
         </p:txBody>
@@ -9051,7 +9235,7 @@
     </p:spTree>
     <p:extLst>
       <p:ext uri="{BB962C8B-B14F-4D97-AF65-F5344CB8AC3E}">
-        <p14:creationId xmlns:p14="http://schemas.microsoft.com/office/powerpoint/2010/main" val="2821131430"/>
+        <p14:creationId xmlns:p14="http://schemas.microsoft.com/office/powerpoint/2010/main" val="4149250816"/>
       </p:ext>
     </p:extLst>
   </p:cSld>
